--- a/docs/presentations/reproducibility_center_2021/sbmlutils.pptx
+++ b/docs/presentations/reproducibility_center_2021/sbmlutils.pptx
@@ -16,21 +16,23 @@
     <p:sldId id="261" r:id="rId11"/>
     <p:sldId id="262" r:id="rId12"/>
     <p:sldId id="263" r:id="rId13"/>
+    <p:sldId id="264" r:id="rId14"/>
+    <p:sldId id="265" r:id="rId15"/>
   </p:sldIdLst>
   <p:sldSz cy="5143500" cx="9144000"/>
   <p:notesSz cx="6858000" cy="9144000"/>
   <p:embeddedFontLst>
     <p:embeddedFont>
       <p:font typeface="PT Sans Narrow"/>
-      <p:regular r:id="rId14"/>
-      <p:bold r:id="rId15"/>
+      <p:regular r:id="rId16"/>
+      <p:bold r:id="rId17"/>
     </p:embeddedFont>
     <p:embeddedFont>
       <p:font typeface="Open Sans"/>
-      <p:regular r:id="rId16"/>
-      <p:bold r:id="rId17"/>
-      <p:italic r:id="rId18"/>
-      <p:boldItalic r:id="rId19"/>
+      <p:regular r:id="rId18"/>
+      <p:bold r:id="rId19"/>
+      <p:italic r:id="rId20"/>
+      <p:boldItalic r:id="rId21"/>
     </p:embeddedFont>
   </p:embeddedFontLst>
   <p:defaultTextStyle>
@@ -806,6 +808,105 @@
 </p:notes>
 </file>
 
+<file path=ppt/notesSlides/notesSlide10.xml><?xml version="1.0" encoding="utf-8"?>
+<p:notes xmlns:a="http://schemas.openxmlformats.org/drawingml/2006/main" xmlns:r="http://schemas.openxmlformats.org/officeDocument/2006/relationships" xmlns:mc="http://schemas.openxmlformats.org/markup-compatibility/2006" xmlns:mv="urn:schemas-microsoft-com:mac:vml" xmlns:p="http://schemas.openxmlformats.org/presentationml/2006/main" xmlns:c="http://schemas.openxmlformats.org/drawingml/2006/chart" xmlns:dgm="http://schemas.openxmlformats.org/drawingml/2006/diagram" xmlns:o="urn:schemas-microsoft-com:office:office" xmlns:v="urn:schemas-microsoft-com:vml" xmlns:pvml="urn:schemas-microsoft-com:office:powerpoint" xmlns:com="http://schemas.openxmlformats.org/drawingml/2006/compatibility" xmlns:p14="http://schemas.microsoft.com/office/powerpoint/2010/main" xmlns:p15="http://schemas.microsoft.com/office/powerpoint/2012/main" xmlns:ahyp="http://schemas.microsoft.com/office/drawing/2018/hyperlinkcolor" showMasterPhAnim="0" showMasterSp="0">
+  <p:cSld>
+    <p:spTree>
+      <p:nvGrpSpPr>
+        <p:cNvPr id="148" name="Shape 148"/>
+        <p:cNvGrpSpPr/>
+        <p:nvPr/>
+      </p:nvGrpSpPr>
+      <p:grpSpPr>
+        <a:xfrm>
+          <a:off x="0" y="0"/>
+          <a:ext cx="0" cy="0"/>
+          <a:chOff x="0" y="0"/>
+          <a:chExt cx="0" cy="0"/>
+        </a:xfrm>
+      </p:grpSpPr>
+      <p:sp>
+        <p:nvSpPr>
+          <p:cNvPr id="149" name="Google Shape;149;gc7962f67c0_0_88:notes"/>
+          <p:cNvSpPr/>
+          <p:nvPr>
+            <p:ph idx="2" type="sldImg"/>
+          </p:nvPr>
+        </p:nvSpPr>
+        <p:spPr>
+          <a:xfrm>
+            <a:off x="381300" y="685800"/>
+            <a:ext cx="6096000" cy="3429000"/>
+          </a:xfrm>
+          <a:custGeom>
+            <a:rect b="b" l="l" r="r" t="t"/>
+            <a:pathLst>
+              <a:path extrusionOk="0" h="120000" w="120000">
+                <a:moveTo>
+                  <a:pt x="0" y="0"/>
+                </a:moveTo>
+                <a:lnTo>
+                  <a:pt x="120000" y="0"/>
+                </a:lnTo>
+                <a:lnTo>
+                  <a:pt x="120000" y="120000"/>
+                </a:lnTo>
+                <a:lnTo>
+                  <a:pt x="0" y="120000"/>
+                </a:lnTo>
+                <a:close/>
+              </a:path>
+            </a:pathLst>
+          </a:custGeom>
+        </p:spPr>
+      </p:sp>
+      <p:sp>
+        <p:nvSpPr>
+          <p:cNvPr id="150" name="Google Shape;150;gc7962f67c0_0_88:notes"/>
+          <p:cNvSpPr txBox="1"/>
+          <p:nvPr>
+            <p:ph idx="1" type="body"/>
+          </p:nvPr>
+        </p:nvSpPr>
+        <p:spPr>
+          <a:xfrm>
+            <a:off x="685800" y="4343400"/>
+            <a:ext cx="5486400" cy="4114800"/>
+          </a:xfrm>
+          <a:prstGeom prst="rect">
+            <a:avLst/>
+          </a:prstGeom>
+        </p:spPr>
+        <p:txBody>
+          <a:bodyPr anchorCtr="0" anchor="t" bIns="91425" lIns="91425" spcFirstLastPara="1" rIns="91425" wrap="square" tIns="91425">
+            <a:noAutofit/>
+          </a:bodyPr>
+          <a:lstStyle/>
+          <a:p>
+            <a:pPr indent="0" lvl="0" marL="0" rtl="0" algn="l">
+              <a:spcBef>
+                <a:spcPts val="0"/>
+              </a:spcBef>
+              <a:spcAft>
+                <a:spcPts val="0"/>
+              </a:spcAft>
+              <a:buNone/>
+            </a:pPr>
+            <a:r>
+              <a:t/>
+            </a:r>
+            <a:endParaRPr/>
+          </a:p>
+        </p:txBody>
+      </p:sp>
+    </p:spTree>
+  </p:cSld>
+  <p:clrMapOvr>
+    <a:masterClrMapping/>
+  </p:clrMapOvr>
+</p:notes>
+</file>
+
 <file path=ppt/notesSlides/notesSlide2.xml><?xml version="1.0" encoding="utf-8"?>
 <p:notes xmlns:a="http://schemas.openxmlformats.org/drawingml/2006/main" xmlns:r="http://schemas.openxmlformats.org/officeDocument/2006/relationships" xmlns:mc="http://schemas.openxmlformats.org/markup-compatibility/2006" xmlns:mv="urn:schemas-microsoft-com:mac:vml" xmlns:p="http://schemas.openxmlformats.org/presentationml/2006/main" xmlns:c="http://schemas.openxmlformats.org/drawingml/2006/chart" xmlns:dgm="http://schemas.openxmlformats.org/drawingml/2006/diagram" xmlns:o="urn:schemas-microsoft-com:office:office" xmlns:v="urn:schemas-microsoft-com:vml" xmlns:pvml="urn:schemas-microsoft-com:office:powerpoint" xmlns:com="http://schemas.openxmlformats.org/drawingml/2006/compatibility" xmlns:p14="http://schemas.microsoft.com/office/powerpoint/2010/main" xmlns:p15="http://schemas.microsoft.com/office/powerpoint/2012/main" xmlns:ahyp="http://schemas.microsoft.com/office/drawing/2018/hyperlinkcolor" showMasterPhAnim="0" showMasterSp="0">
   <p:cSld>
@@ -910,7 +1011,7 @@
   <p:cSld>
     <p:spTree>
       <p:nvGrpSpPr>
-        <p:cNvPr id="75" name="Shape 75"/>
+        <p:cNvPr id="80" name="Shape 80"/>
         <p:cNvGrpSpPr/>
         <p:nvPr/>
       </p:nvGrpSpPr>
@@ -924,7 +1025,7 @@
       </p:grpSpPr>
       <p:sp>
         <p:nvSpPr>
-          <p:cNvPr id="76" name="Google Shape;76;ge4c809d97e_0_24:notes"/>
+          <p:cNvPr id="81" name="Google Shape;81;ge4c809d97e_0_24:notes"/>
           <p:cNvSpPr/>
           <p:nvPr>
             <p:ph idx="2" type="sldImg"/>
@@ -959,7 +1060,7 @@
       </p:sp>
       <p:sp>
         <p:nvSpPr>
-          <p:cNvPr id="77" name="Google Shape;77;ge4c809d97e_0_24:notes"/>
+          <p:cNvPr id="82" name="Google Shape;82;ge4c809d97e_0_24:notes"/>
           <p:cNvSpPr txBox="1"/>
           <p:nvPr>
             <p:ph idx="1" type="body"/>
@@ -1009,7 +1110,7 @@
   <p:cSld>
     <p:spTree>
       <p:nvGrpSpPr>
-        <p:cNvPr id="86" name="Shape 86"/>
+        <p:cNvPr id="91" name="Shape 91"/>
         <p:cNvGrpSpPr/>
         <p:nvPr/>
       </p:nvGrpSpPr>
@@ -1023,7 +1124,7 @@
       </p:grpSpPr>
       <p:sp>
         <p:nvSpPr>
-          <p:cNvPr id="87" name="Google Shape;87;gc7962f67c0_0_57:notes"/>
+          <p:cNvPr id="92" name="Google Shape;92;gc7962f67c0_0_57:notes"/>
           <p:cNvSpPr/>
           <p:nvPr>
             <p:ph idx="2" type="sldImg"/>
@@ -1058,7 +1159,7 @@
       </p:sp>
       <p:sp>
         <p:nvSpPr>
-          <p:cNvPr id="88" name="Google Shape;88;gc7962f67c0_0_57:notes"/>
+          <p:cNvPr id="93" name="Google Shape;93;gc7962f67c0_0_57:notes"/>
           <p:cNvSpPr txBox="1"/>
           <p:nvPr>
             <p:ph idx="1" type="body"/>
@@ -1108,7 +1209,7 @@
   <p:cSld>
     <p:spTree>
       <p:nvGrpSpPr>
-        <p:cNvPr id="98" name="Shape 98"/>
+        <p:cNvPr id="103" name="Shape 103"/>
         <p:cNvGrpSpPr/>
         <p:nvPr/>
       </p:nvGrpSpPr>
@@ -1122,7 +1223,7 @@
       </p:grpSpPr>
       <p:sp>
         <p:nvSpPr>
-          <p:cNvPr id="99" name="Google Shape;99;ge4c809d97e_0_0:notes"/>
+          <p:cNvPr id="104" name="Google Shape;104;ge4c809d97e_0_0:notes"/>
           <p:cNvSpPr/>
           <p:nvPr>
             <p:ph idx="2" type="sldImg"/>
@@ -1157,7 +1258,7 @@
       </p:sp>
       <p:sp>
         <p:nvSpPr>
-          <p:cNvPr id="100" name="Google Shape;100;ge4c809d97e_0_0:notes"/>
+          <p:cNvPr id="105" name="Google Shape;105;ge4c809d97e_0_0:notes"/>
           <p:cNvSpPr txBox="1"/>
           <p:nvPr>
             <p:ph idx="1" type="body"/>
@@ -1207,7 +1308,7 @@
   <p:cSld>
     <p:spTree>
       <p:nvGrpSpPr>
-        <p:cNvPr id="105" name="Shape 105"/>
+        <p:cNvPr id="110" name="Shape 110"/>
         <p:cNvGrpSpPr/>
         <p:nvPr/>
       </p:nvGrpSpPr>
@@ -1221,7 +1322,7 @@
       </p:grpSpPr>
       <p:sp>
         <p:nvSpPr>
-          <p:cNvPr id="106" name="Google Shape;106;ge4c809d97e_0_6:notes"/>
+          <p:cNvPr id="111" name="Google Shape;111;ge4c809d97e_0_6:notes"/>
           <p:cNvSpPr/>
           <p:nvPr>
             <p:ph idx="2" type="sldImg"/>
@@ -1256,7 +1357,7 @@
       </p:sp>
       <p:sp>
         <p:nvSpPr>
-          <p:cNvPr id="107" name="Google Shape;107;ge4c809d97e_0_6:notes"/>
+          <p:cNvPr id="112" name="Google Shape;112;ge4c809d97e_0_6:notes"/>
           <p:cNvSpPr txBox="1"/>
           <p:nvPr>
             <p:ph idx="1" type="body"/>
@@ -1306,7 +1407,7 @@
   <p:cSld>
     <p:spTree>
       <p:nvGrpSpPr>
-        <p:cNvPr id="112" name="Shape 112"/>
+        <p:cNvPr id="119" name="Shape 119"/>
         <p:cNvGrpSpPr/>
         <p:nvPr/>
       </p:nvGrpSpPr>
@@ -1320,7 +1421,7 @@
       </p:grpSpPr>
       <p:sp>
         <p:nvSpPr>
-          <p:cNvPr id="113" name="Google Shape;113;ge4c809d97e_0_35:notes"/>
+          <p:cNvPr id="120" name="Google Shape;120;ge4c809d97e_0_82:notes"/>
           <p:cNvSpPr/>
           <p:nvPr>
             <p:ph idx="2" type="sldImg"/>
@@ -1355,7 +1456,7 @@
       </p:sp>
       <p:sp>
         <p:nvSpPr>
-          <p:cNvPr id="114" name="Google Shape;114;ge4c809d97e_0_35:notes"/>
+          <p:cNvPr id="121" name="Google Shape;121;ge4c809d97e_0_82:notes"/>
           <p:cNvSpPr txBox="1"/>
           <p:nvPr>
             <p:ph idx="1" type="body"/>
@@ -1405,7 +1506,7 @@
   <p:cSld>
     <p:spTree>
       <p:nvGrpSpPr>
-        <p:cNvPr id="119" name="Shape 119"/>
+        <p:cNvPr id="128" name="Shape 128"/>
         <p:cNvGrpSpPr/>
         <p:nvPr/>
       </p:nvGrpSpPr>
@@ -1419,7 +1520,7 @@
       </p:grpSpPr>
       <p:sp>
         <p:nvSpPr>
-          <p:cNvPr id="120" name="Google Shape;120;gc7962f67c0_0_88:notes"/>
+          <p:cNvPr id="129" name="Google Shape;129;ge4c809d97e_0_61:notes"/>
           <p:cNvSpPr/>
           <p:nvPr>
             <p:ph idx="2" type="sldImg"/>
@@ -1454,7 +1555,106 @@
       </p:sp>
       <p:sp>
         <p:nvSpPr>
-          <p:cNvPr id="121" name="Google Shape;121;gc7962f67c0_0_88:notes"/>
+          <p:cNvPr id="130" name="Google Shape;130;ge4c809d97e_0_61:notes"/>
+          <p:cNvSpPr txBox="1"/>
+          <p:nvPr>
+            <p:ph idx="1" type="body"/>
+          </p:nvPr>
+        </p:nvSpPr>
+        <p:spPr>
+          <a:xfrm>
+            <a:off x="685800" y="4343400"/>
+            <a:ext cx="5486400" cy="4114800"/>
+          </a:xfrm>
+          <a:prstGeom prst="rect">
+            <a:avLst/>
+          </a:prstGeom>
+        </p:spPr>
+        <p:txBody>
+          <a:bodyPr anchorCtr="0" anchor="t" bIns="91425" lIns="91425" spcFirstLastPara="1" rIns="91425" wrap="square" tIns="91425">
+            <a:noAutofit/>
+          </a:bodyPr>
+          <a:lstStyle/>
+          <a:p>
+            <a:pPr indent="0" lvl="0" marL="0" rtl="0" algn="l">
+              <a:spcBef>
+                <a:spcPts val="0"/>
+              </a:spcBef>
+              <a:spcAft>
+                <a:spcPts val="0"/>
+              </a:spcAft>
+              <a:buNone/>
+            </a:pPr>
+            <a:r>
+              <a:t/>
+            </a:r>
+            <a:endParaRPr/>
+          </a:p>
+        </p:txBody>
+      </p:sp>
+    </p:spTree>
+  </p:cSld>
+  <p:clrMapOvr>
+    <a:masterClrMapping/>
+  </p:clrMapOvr>
+</p:notes>
+</file>
+
+<file path=ppt/notesSlides/notesSlide9.xml><?xml version="1.0" encoding="utf-8"?>
+<p:notes xmlns:a="http://schemas.openxmlformats.org/drawingml/2006/main" xmlns:r="http://schemas.openxmlformats.org/officeDocument/2006/relationships" xmlns:mc="http://schemas.openxmlformats.org/markup-compatibility/2006" xmlns:mv="urn:schemas-microsoft-com:mac:vml" xmlns:p="http://schemas.openxmlformats.org/presentationml/2006/main" xmlns:c="http://schemas.openxmlformats.org/drawingml/2006/chart" xmlns:dgm="http://schemas.openxmlformats.org/drawingml/2006/diagram" xmlns:o="urn:schemas-microsoft-com:office:office" xmlns:v="urn:schemas-microsoft-com:vml" xmlns:pvml="urn:schemas-microsoft-com:office:powerpoint" xmlns:com="http://schemas.openxmlformats.org/drawingml/2006/compatibility" xmlns:p14="http://schemas.microsoft.com/office/powerpoint/2010/main" xmlns:p15="http://schemas.microsoft.com/office/powerpoint/2012/main" xmlns:ahyp="http://schemas.microsoft.com/office/drawing/2018/hyperlinkcolor" showMasterPhAnim="0" showMasterSp="0">
+  <p:cSld>
+    <p:spTree>
+      <p:nvGrpSpPr>
+        <p:cNvPr id="141" name="Shape 141"/>
+        <p:cNvGrpSpPr/>
+        <p:nvPr/>
+      </p:nvGrpSpPr>
+      <p:grpSpPr>
+        <a:xfrm>
+          <a:off x="0" y="0"/>
+          <a:ext cx="0" cy="0"/>
+          <a:chOff x="0" y="0"/>
+          <a:chExt cx="0" cy="0"/>
+        </a:xfrm>
+      </p:grpSpPr>
+      <p:sp>
+        <p:nvSpPr>
+          <p:cNvPr id="142" name="Google Shape;142;ge4c809d97e_0_35:notes"/>
+          <p:cNvSpPr/>
+          <p:nvPr>
+            <p:ph idx="2" type="sldImg"/>
+          </p:nvPr>
+        </p:nvSpPr>
+        <p:spPr>
+          <a:xfrm>
+            <a:off x="381300" y="685800"/>
+            <a:ext cx="6096000" cy="3429000"/>
+          </a:xfrm>
+          <a:custGeom>
+            <a:rect b="b" l="l" r="r" t="t"/>
+            <a:pathLst>
+              <a:path extrusionOk="0" h="120000" w="120000">
+                <a:moveTo>
+                  <a:pt x="0" y="0"/>
+                </a:moveTo>
+                <a:lnTo>
+                  <a:pt x="120000" y="0"/>
+                </a:lnTo>
+                <a:lnTo>
+                  <a:pt x="120000" y="120000"/>
+                </a:lnTo>
+                <a:lnTo>
+                  <a:pt x="0" y="120000"/>
+                </a:lnTo>
+                <a:close/>
+              </a:path>
+            </a:pathLst>
+          </a:custGeom>
+        </p:spPr>
+      </p:sp>
+      <p:sp>
+        <p:nvSpPr>
+          <p:cNvPr id="143" name="Google Shape;143;ge4c809d97e_0_35:notes"/>
           <p:cNvSpPr txBox="1"/>
           <p:nvPr>
             <p:ph idx="1" type="body"/>
@@ -6925,7 +7125,7 @@
         </p:spPr>
         <p:txBody>
           <a:bodyPr anchorCtr="0" anchor="b" bIns="91425" lIns="91425" spcFirstLastPara="1" rIns="91425" wrap="square" tIns="91425">
-            <a:normAutofit/>
+            <a:normAutofit fontScale="90000"/>
           </a:bodyPr>
           <a:lstStyle/>
           <a:p>
@@ -6940,7 +7140,27 @@
             </a:pPr>
             <a:r>
               <a:rPr lang="en"/>
-              <a:t>sbmlutils</a:t>
+              <a:t>sbmlutils:</a:t>
+            </a:r>
+            <a:endParaRPr/>
+          </a:p>
+          <a:p>
+            <a:pPr indent="0" lvl="0" marL="0" rtl="0" algn="ctr">
+              <a:spcBef>
+                <a:spcPts val="0"/>
+              </a:spcBef>
+              <a:spcAft>
+                <a:spcPts val="0"/>
+              </a:spcAft>
+              <a:buNone/>
+            </a:pPr>
+            <a:r>
+              <a:rPr lang="en"/>
+              <a:t>Python </a:t>
+            </a:r>
+            <a:r>
+              <a:rPr lang="en"/>
+              <a:t>utilities for SBML</a:t>
             </a:r>
             <a:endParaRPr/>
           </a:p>
@@ -6965,7 +7185,7 @@
         </p:spPr>
         <p:txBody>
           <a:bodyPr anchorCtr="0" anchor="t" bIns="91425" lIns="91425" spcFirstLastPara="1" rIns="91425" wrap="square" tIns="91425">
-            <a:normAutofit/>
+            <a:normAutofit fontScale="62500" lnSpcReduction="20000"/>
           </a:bodyPr>
           <a:lstStyle/>
           <a:p>
@@ -6980,7 +7200,44 @@
             </a:pPr>
             <a:r>
               <a:rPr lang="en"/>
-              <a:t>Python utilities for SBML</a:t>
+              <a:t>Matthias König</a:t>
+            </a:r>
+            <a:endParaRPr/>
+          </a:p>
+          <a:p>
+            <a:pPr indent="0" lvl="0" marL="0" rtl="0" algn="ctr">
+              <a:spcBef>
+                <a:spcPts val="0"/>
+              </a:spcBef>
+              <a:spcAft>
+                <a:spcPts val="0"/>
+              </a:spcAft>
+              <a:buNone/>
+            </a:pPr>
+            <a:r>
+              <a:rPr lang="en"/>
+              <a:t>@konigmatt </a:t>
+            </a:r>
+            <a:endParaRPr/>
+          </a:p>
+          <a:p>
+            <a:pPr indent="0" lvl="0" marL="0" rtl="0" algn="ctr">
+              <a:spcBef>
+                <a:spcPts val="0"/>
+              </a:spcBef>
+              <a:spcAft>
+                <a:spcPts val="0"/>
+              </a:spcAft>
+              <a:buNone/>
+            </a:pPr>
+            <a:r>
+              <a:rPr lang="en" u="sng">
+                <a:solidFill>
+                  <a:schemeClr val="hlink"/>
+                </a:solidFill>
+                <a:hlinkClick r:id="rId3"/>
+              </a:rPr>
+              <a:t>https://livermetabolism.com</a:t>
             </a:r>
             <a:endParaRPr/>
           </a:p>
@@ -6993,7 +7250,7 @@
           <p:nvPr/>
         </p:nvPicPr>
         <p:blipFill>
-          <a:blip r:embed="rId3">
+          <a:blip r:embed="rId4">
             <a:alphaModFix/>
           </a:blip>
           <a:stretch>
@@ -7002,8 +7259,423 @@
         </p:blipFill>
         <p:spPr>
           <a:xfrm>
-            <a:off x="2420750" y="2277950"/>
+            <a:off x="1817425" y="1509050"/>
             <a:ext cx="882600" cy="375575"/>
+          </a:xfrm>
+          <a:prstGeom prst="rect">
+            <a:avLst/>
+          </a:prstGeom>
+          <a:noFill/>
+          <a:ln>
+            <a:noFill/>
+          </a:ln>
+        </p:spPr>
+      </p:pic>
+    </p:spTree>
+  </p:cSld>
+  <p:clrMapOvr>
+    <a:masterClrMapping/>
+  </p:clrMapOvr>
+</p:sld>
+</file>
+
+<file path=ppt/slides/slide10.xml><?xml version="1.0" encoding="utf-8"?>
+<p:sld xmlns:a="http://schemas.openxmlformats.org/drawingml/2006/main" xmlns:r="http://schemas.openxmlformats.org/officeDocument/2006/relationships" xmlns:mc="http://schemas.openxmlformats.org/markup-compatibility/2006" xmlns:mv="urn:schemas-microsoft-com:mac:vml" xmlns:p="http://schemas.openxmlformats.org/presentationml/2006/main" xmlns:c="http://schemas.openxmlformats.org/drawingml/2006/chart" xmlns:dgm="http://schemas.openxmlformats.org/drawingml/2006/diagram" xmlns:o="urn:schemas-microsoft-com:office:office" xmlns:v="urn:schemas-microsoft-com:vml" xmlns:pvml="urn:schemas-microsoft-com:office:powerpoint" xmlns:com="http://schemas.openxmlformats.org/drawingml/2006/compatibility" xmlns:p14="http://schemas.microsoft.com/office/powerpoint/2010/main" xmlns:p15="http://schemas.microsoft.com/office/powerpoint/2012/main" xmlns:ahyp="http://schemas.microsoft.com/office/drawing/2018/hyperlinkcolor">
+  <p:cSld>
+    <p:spTree>
+      <p:nvGrpSpPr>
+        <p:cNvPr id="151" name="Shape 151"/>
+        <p:cNvGrpSpPr/>
+        <p:nvPr/>
+      </p:nvGrpSpPr>
+      <p:grpSpPr>
+        <a:xfrm>
+          <a:off x="0" y="0"/>
+          <a:ext cx="0" cy="0"/>
+          <a:chOff x="0" y="0"/>
+          <a:chExt cx="0" cy="0"/>
+        </a:xfrm>
+      </p:grpSpPr>
+      <p:sp>
+        <p:nvSpPr>
+          <p:cNvPr id="152" name="Google Shape;152;p22"/>
+          <p:cNvSpPr txBox="1"/>
+          <p:nvPr>
+            <p:ph type="title"/>
+          </p:nvPr>
+        </p:nvSpPr>
+        <p:spPr>
+          <a:xfrm>
+            <a:off x="311700" y="445025"/>
+            <a:ext cx="8520600" cy="707400"/>
+          </a:xfrm>
+          <a:prstGeom prst="rect">
+            <a:avLst/>
+          </a:prstGeom>
+        </p:spPr>
+        <p:txBody>
+          <a:bodyPr anchorCtr="0" anchor="t" bIns="91425" lIns="91425" spcFirstLastPara="1" rIns="91425" wrap="square" tIns="91425">
+            <a:normAutofit fontScale="90000"/>
+          </a:bodyPr>
+          <a:lstStyle/>
+          <a:p>
+            <a:pPr indent="0" lvl="0" marL="0" rtl="0" algn="l">
+              <a:spcBef>
+                <a:spcPts val="0"/>
+              </a:spcBef>
+              <a:spcAft>
+                <a:spcPts val="0"/>
+              </a:spcAft>
+              <a:buNone/>
+            </a:pPr>
+            <a:r>
+              <a:rPr lang="en"/>
+              <a:t>What is sbmlsim?</a:t>
+            </a:r>
+            <a:endParaRPr/>
+          </a:p>
+        </p:txBody>
+      </p:sp>
+      <p:sp>
+        <p:nvSpPr>
+          <p:cNvPr id="153" name="Google Shape;153;p22"/>
+          <p:cNvSpPr txBox="1"/>
+          <p:nvPr>
+            <p:ph idx="1" type="body"/>
+          </p:nvPr>
+        </p:nvSpPr>
+        <p:spPr>
+          <a:xfrm>
+            <a:off x="311700" y="1266175"/>
+            <a:ext cx="3999900" cy="3302700"/>
+          </a:xfrm>
+          <a:prstGeom prst="rect">
+            <a:avLst/>
+          </a:prstGeom>
+        </p:spPr>
+        <p:txBody>
+          <a:bodyPr anchorCtr="0" anchor="t" bIns="91425" lIns="91425" spcFirstLastPara="1" rIns="91425" wrap="square" tIns="91425">
+            <a:normAutofit fontScale="77500" lnSpcReduction="10000"/>
+          </a:bodyPr>
+          <a:lstStyle/>
+          <a:p>
+            <a:pPr indent="0" lvl="0" marL="0" rtl="0" algn="l">
+              <a:spcBef>
+                <a:spcPts val="0"/>
+              </a:spcBef>
+              <a:spcAft>
+                <a:spcPts val="0"/>
+              </a:spcAft>
+              <a:buNone/>
+            </a:pPr>
+            <a:r>
+              <a:rPr b="1" lang="en" sz="1787"/>
+              <a:t>Collection of python utilities for </a:t>
+            </a:r>
+            <a:r>
+              <a:rPr b="1" lang="en" sz="1787" u="sng"/>
+              <a:t>simulating</a:t>
+            </a:r>
+            <a:r>
+              <a:rPr b="1" lang="en" sz="1787"/>
+              <a:t> SBML models (ODE)</a:t>
+            </a:r>
+            <a:br>
+              <a:rPr lang="en" sz="1787"/>
+            </a:br>
+            <a:r>
+              <a:rPr lang="en" sz="1787" u="sng">
+                <a:solidFill>
+                  <a:schemeClr val="hlink"/>
+                </a:solidFill>
+                <a:hlinkClick r:id="rId3"/>
+              </a:rPr>
+              <a:t>https://github.com/matthiaskoenig/sbmlsim</a:t>
+            </a:r>
+            <a:br>
+              <a:rPr lang="en" sz="1787"/>
+            </a:br>
+            <a:r>
+              <a:rPr lang="en" sz="1787" u="sng">
+                <a:solidFill>
+                  <a:schemeClr val="hlink"/>
+                </a:solidFill>
+                <a:hlinkClick r:id="rId4"/>
+              </a:rPr>
+              <a:t>https://sbmlsim.readthedocs.io</a:t>
+            </a:r>
+            <a:r>
+              <a:rPr lang="en" sz="1787"/>
+              <a:t> </a:t>
+            </a:r>
+            <a:endParaRPr sz="1787"/>
+          </a:p>
+          <a:p>
+            <a:pPr indent="0" lvl="0" marL="0" rtl="0" algn="l">
+              <a:spcBef>
+                <a:spcPts val="1200"/>
+              </a:spcBef>
+              <a:spcAft>
+                <a:spcPts val="0"/>
+              </a:spcAft>
+              <a:buNone/>
+            </a:pPr>
+            <a:r>
+              <a:rPr b="1" lang="en" sz="1800"/>
+              <a:t>Features</a:t>
+            </a:r>
+            <a:endParaRPr b="1" sz="1800"/>
+          </a:p>
+          <a:p>
+            <a:pPr indent="-317182" lvl="0" marL="457200" rtl="0" algn="l">
+              <a:spcBef>
+                <a:spcPts val="1200"/>
+              </a:spcBef>
+              <a:spcAft>
+                <a:spcPts val="0"/>
+              </a:spcAft>
+              <a:buSzPct val="100000"/>
+              <a:buChar char="●"/>
+            </a:pPr>
+            <a:r>
+              <a:rPr lang="en" sz="1800"/>
+              <a:t>model simulation</a:t>
+            </a:r>
+            <a:endParaRPr sz="1800"/>
+          </a:p>
+          <a:p>
+            <a:pPr indent="-317182" lvl="0" marL="457200" rtl="0" algn="l">
+              <a:spcBef>
+                <a:spcPts val="0"/>
+              </a:spcBef>
+              <a:spcAft>
+                <a:spcPts val="0"/>
+              </a:spcAft>
+              <a:buSzPct val="100000"/>
+              <a:buChar char="●"/>
+            </a:pPr>
+            <a:r>
+              <a:rPr lang="en" sz="1800"/>
+              <a:t>data support</a:t>
+            </a:r>
+            <a:endParaRPr sz="1800"/>
+          </a:p>
+          <a:p>
+            <a:pPr indent="-317182" lvl="0" marL="457200" rtl="0" algn="l">
+              <a:spcBef>
+                <a:spcPts val="0"/>
+              </a:spcBef>
+              <a:spcAft>
+                <a:spcPts val="0"/>
+              </a:spcAft>
+              <a:buSzPct val="100000"/>
+              <a:buChar char="●"/>
+            </a:pPr>
+            <a:r>
+              <a:rPr lang="en" sz="1800"/>
+              <a:t>unit support (&amp; conversion)</a:t>
+            </a:r>
+            <a:endParaRPr sz="1800"/>
+          </a:p>
+          <a:p>
+            <a:pPr indent="-317182" lvl="0" marL="457200" rtl="0" algn="l">
+              <a:spcBef>
+                <a:spcPts val="0"/>
+              </a:spcBef>
+              <a:spcAft>
+                <a:spcPts val="0"/>
+              </a:spcAft>
+              <a:buSzPct val="100000"/>
+              <a:buChar char="●"/>
+            </a:pPr>
+            <a:r>
+              <a:rPr lang="en" sz="1800"/>
+              <a:t>multi-core execution (ray)</a:t>
+            </a:r>
+            <a:endParaRPr sz="1800"/>
+          </a:p>
+          <a:p>
+            <a:pPr indent="-317182" lvl="0" marL="457200" rtl="0" algn="l">
+              <a:spcBef>
+                <a:spcPts val="0"/>
+              </a:spcBef>
+              <a:spcAft>
+                <a:spcPts val="0"/>
+              </a:spcAft>
+              <a:buSzPct val="100000"/>
+              <a:buChar char="●"/>
+            </a:pPr>
+            <a:r>
+              <a:rPr lang="en" sz="1800"/>
+              <a:t>simulation experiments (publications)</a:t>
+            </a:r>
+            <a:endParaRPr sz="1800"/>
+          </a:p>
+          <a:p>
+            <a:pPr indent="-317182" lvl="0" marL="457200" rtl="0" algn="l">
+              <a:spcBef>
+                <a:spcPts val="0"/>
+              </a:spcBef>
+              <a:spcAft>
+                <a:spcPts val="0"/>
+              </a:spcAft>
+              <a:buSzPct val="100000"/>
+              <a:buChar char="●"/>
+            </a:pPr>
+            <a:r>
+              <a:rPr lang="en" sz="1800"/>
+              <a:t>parameter scans</a:t>
+            </a:r>
+            <a:endParaRPr sz="1800"/>
+          </a:p>
+          <a:p>
+            <a:pPr indent="-317182" lvl="0" marL="457200" rtl="0" algn="l">
+              <a:spcBef>
+                <a:spcPts val="0"/>
+              </a:spcBef>
+              <a:spcAft>
+                <a:spcPts val="0"/>
+              </a:spcAft>
+              <a:buSzPct val="100000"/>
+              <a:buChar char="●"/>
+            </a:pPr>
+            <a:r>
+              <a:rPr lang="en" sz="1800"/>
+              <a:t>parameter fitting</a:t>
+            </a:r>
+            <a:endParaRPr/>
+          </a:p>
+        </p:txBody>
+      </p:sp>
+      <p:pic>
+        <p:nvPicPr>
+          <p:cNvPr id="154" name="Google Shape;154;p22"/>
+          <p:cNvPicPr preferRelativeResize="0"/>
+          <p:nvPr/>
+        </p:nvPicPr>
+        <p:blipFill>
+          <a:blip r:embed="rId5">
+            <a:alphaModFix/>
+          </a:blip>
+          <a:stretch>
+            <a:fillRect/>
+          </a:stretch>
+        </p:blipFill>
+        <p:spPr>
+          <a:xfrm>
+            <a:off x="1201775" y="4463801"/>
+            <a:ext cx="6935952" cy="606475"/>
+          </a:xfrm>
+          <a:prstGeom prst="rect">
+            <a:avLst/>
+          </a:prstGeom>
+          <a:noFill/>
+          <a:ln>
+            <a:noFill/>
+          </a:ln>
+        </p:spPr>
+      </p:pic>
+      <p:pic>
+        <p:nvPicPr>
+          <p:cNvPr id="155" name="Google Shape;155;p22"/>
+          <p:cNvPicPr preferRelativeResize="0"/>
+          <p:nvPr/>
+        </p:nvPicPr>
+        <p:blipFill>
+          <a:blip r:embed="rId6">
+            <a:alphaModFix/>
+          </a:blip>
+          <a:stretch>
+            <a:fillRect/>
+          </a:stretch>
+        </p:blipFill>
+        <p:spPr>
+          <a:xfrm>
+            <a:off x="4502025" y="2174500"/>
+            <a:ext cx="2177474" cy="2177474"/>
+          </a:xfrm>
+          <a:prstGeom prst="rect">
+            <a:avLst/>
+          </a:prstGeom>
+          <a:noFill/>
+          <a:ln>
+            <a:noFill/>
+          </a:ln>
+        </p:spPr>
+      </p:pic>
+      <p:pic>
+        <p:nvPicPr>
+          <p:cNvPr id="156" name="Google Shape;156;p22"/>
+          <p:cNvPicPr preferRelativeResize="0"/>
+          <p:nvPr/>
+        </p:nvPicPr>
+        <p:blipFill rotWithShape="1">
+          <a:blip r:embed="rId7">
+            <a:alphaModFix/>
+          </a:blip>
+          <a:srcRect b="49099" l="0" r="0" t="0"/>
+          <a:stretch/>
+        </p:blipFill>
+        <p:spPr>
+          <a:xfrm>
+            <a:off x="4531675" y="708750"/>
+            <a:ext cx="2456625" cy="1465750"/>
+          </a:xfrm>
+          <a:prstGeom prst="rect">
+            <a:avLst/>
+          </a:prstGeom>
+          <a:noFill/>
+          <a:ln>
+            <a:noFill/>
+          </a:ln>
+        </p:spPr>
+      </p:pic>
+      <p:pic>
+        <p:nvPicPr>
+          <p:cNvPr id="157" name="Google Shape;157;p22"/>
+          <p:cNvPicPr preferRelativeResize="0"/>
+          <p:nvPr/>
+        </p:nvPicPr>
+        <p:blipFill>
+          <a:blip r:embed="rId8">
+            <a:alphaModFix/>
+          </a:blip>
+          <a:stretch>
+            <a:fillRect/>
+          </a:stretch>
+        </p:blipFill>
+        <p:spPr>
+          <a:xfrm>
+            <a:off x="7028624" y="708750"/>
+            <a:ext cx="1852600" cy="2281399"/>
+          </a:xfrm>
+          <a:prstGeom prst="rect">
+            <a:avLst/>
+          </a:prstGeom>
+          <a:noFill/>
+          <a:ln>
+            <a:noFill/>
+          </a:ln>
+        </p:spPr>
+      </p:pic>
+      <p:pic>
+        <p:nvPicPr>
+          <p:cNvPr id="158" name="Google Shape;158;p22"/>
+          <p:cNvPicPr preferRelativeResize="0"/>
+          <p:nvPr/>
+        </p:nvPicPr>
+        <p:blipFill>
+          <a:blip r:embed="rId9">
+            <a:alphaModFix/>
+          </a:blip>
+          <a:stretch>
+            <a:fillRect/>
+          </a:stretch>
+        </p:blipFill>
+        <p:spPr>
+          <a:xfrm>
+            <a:off x="6710795" y="2345875"/>
+            <a:ext cx="1981400" cy="1946550"/>
           </a:xfrm>
           <a:prstGeom prst="rect">
             <a:avLst/>
@@ -7073,7 +7745,7 @@
             </a:pPr>
             <a:r>
               <a:rPr lang="en"/>
-              <a:t>SBML</a:t>
+              <a:t>What is SBML?</a:t>
             </a:r>
             <a:endParaRPr/>
           </a:p>
@@ -7089,8 +7761,8 @@
         </p:nvSpPr>
         <p:spPr>
           <a:xfrm>
-            <a:off x="311700" y="1266325"/>
-            <a:ext cx="8520600" cy="3302700"/>
+            <a:off x="311700" y="1037725"/>
+            <a:ext cx="4912500" cy="3302700"/>
           </a:xfrm>
           <a:prstGeom prst="rect">
             <a:avLst/>
@@ -7102,22 +7774,601 @@
           </a:bodyPr>
           <a:lstStyle/>
           <a:p>
-            <a:pPr indent="0" lvl="0" marL="0" rtl="0" algn="l">
-              <a:spcBef>
-                <a:spcPts val="0"/>
-              </a:spcBef>
-              <a:spcAft>
-                <a:spcPts val="1200"/>
-              </a:spcAft>
-              <a:buNone/>
-            </a:pPr>
-            <a:r>
-              <a:t/>
+            <a:pPr indent="-342900" lvl="0" marL="457200" rtl="0" algn="l">
+              <a:spcBef>
+                <a:spcPts val="0"/>
+              </a:spcBef>
+              <a:spcAft>
+                <a:spcPts val="0"/>
+              </a:spcAft>
+              <a:buSzPts val="1800"/>
+              <a:buChar char="●"/>
+            </a:pPr>
+            <a:r>
+              <a:rPr lang="en"/>
+              <a:t>Systems Biology Markup Language</a:t>
+            </a:r>
+            <a:endParaRPr/>
+          </a:p>
+          <a:p>
+            <a:pPr indent="-317500" lvl="1" marL="914400" rtl="0" algn="l">
+              <a:spcBef>
+                <a:spcPts val="0"/>
+              </a:spcBef>
+              <a:spcAft>
+                <a:spcPts val="0"/>
+              </a:spcAft>
+              <a:buSzPts val="1400"/>
+              <a:buChar char="○"/>
+            </a:pPr>
+            <a:r>
+              <a:rPr lang="en"/>
+              <a:t>core language</a:t>
+            </a:r>
+            <a:endParaRPr/>
+          </a:p>
+          <a:p>
+            <a:pPr indent="-317500" lvl="1" marL="914400" rtl="0" algn="l">
+              <a:spcBef>
+                <a:spcPts val="0"/>
+              </a:spcBef>
+              <a:spcAft>
+                <a:spcPts val="0"/>
+              </a:spcAft>
+              <a:buSzPts val="1400"/>
+              <a:buChar char="○"/>
+            </a:pPr>
+            <a:r>
+              <a:rPr lang="en"/>
+              <a:t>packages for additional functionality</a:t>
+            </a:r>
+            <a:endParaRPr/>
+          </a:p>
+          <a:p>
+            <a:pPr indent="-342900" lvl="0" marL="457200" rtl="0" algn="l">
+              <a:spcBef>
+                <a:spcPts val="0"/>
+              </a:spcBef>
+              <a:spcAft>
+                <a:spcPts val="0"/>
+              </a:spcAft>
+              <a:buSzPts val="1800"/>
+              <a:buChar char="●"/>
+            </a:pPr>
+            <a:r>
+              <a:rPr lang="en"/>
+              <a:t>Standard exchange format for computational models in biology</a:t>
+            </a:r>
+            <a:endParaRPr/>
+          </a:p>
+          <a:p>
+            <a:pPr indent="-317500" lvl="1" marL="914400" rtl="0" algn="l">
+              <a:spcBef>
+                <a:spcPts val="0"/>
+              </a:spcBef>
+              <a:spcAft>
+                <a:spcPts val="0"/>
+              </a:spcAft>
+              <a:buSzPts val="1400"/>
+              <a:buChar char="○"/>
+            </a:pPr>
+            <a:r>
+              <a:rPr lang="en"/>
+              <a:t>&gt; 300 tools support</a:t>
+            </a:r>
+            <a:endParaRPr/>
+          </a:p>
+          <a:p>
+            <a:pPr indent="-317500" lvl="1" marL="914400" rtl="0" algn="l">
+              <a:spcBef>
+                <a:spcPts val="0"/>
+              </a:spcBef>
+              <a:spcAft>
+                <a:spcPts val="0"/>
+              </a:spcAft>
+              <a:buSzPts val="1400"/>
+              <a:buChar char="○"/>
+            </a:pPr>
+            <a:r>
+              <a:rPr lang="en"/>
+              <a:t>large ecosystem: model building, visualization, simulation, …</a:t>
+            </a:r>
+            <a:endParaRPr/>
+          </a:p>
+          <a:p>
+            <a:pPr indent="-342900" lvl="0" marL="457200" rtl="0" algn="l">
+              <a:spcBef>
+                <a:spcPts val="0"/>
+              </a:spcBef>
+              <a:spcAft>
+                <a:spcPts val="0"/>
+              </a:spcAft>
+              <a:buSzPts val="1800"/>
+              <a:buChar char="●"/>
+            </a:pPr>
+            <a:r>
+              <a:rPr lang="en" sz="1400" u="sng">
+                <a:solidFill>
+                  <a:schemeClr val="accent5"/>
+                </a:solidFill>
+                <a:hlinkClick r:id="rId3">
+                  <a:extLst>
+                    <a:ext uri="{A12FA001-AC4F-418D-AE19-62706E023703}">
+                      <ahyp:hlinkClr val="tx"/>
+                    </a:ext>
+                  </a:extLst>
+                </a:hlinkClick>
+              </a:rPr>
+              <a:t>http://sbml.org</a:t>
             </a:r>
             <a:endParaRPr/>
           </a:p>
         </p:txBody>
       </p:sp>
+      <p:pic>
+        <p:nvPicPr>
+          <p:cNvPr id="75" name="Google Shape;75;p14"/>
+          <p:cNvPicPr preferRelativeResize="0"/>
+          <p:nvPr/>
+        </p:nvPicPr>
+        <p:blipFill>
+          <a:blip r:embed="rId4">
+            <a:alphaModFix/>
+          </a:blip>
+          <a:stretch>
+            <a:fillRect/>
+          </a:stretch>
+        </p:blipFill>
+        <p:spPr>
+          <a:xfrm>
+            <a:off x="4691175" y="145250"/>
+            <a:ext cx="3601125" cy="3730427"/>
+          </a:xfrm>
+          <a:prstGeom prst="rect">
+            <a:avLst/>
+          </a:prstGeom>
+          <a:noFill/>
+          <a:ln>
+            <a:noFill/>
+          </a:ln>
+        </p:spPr>
+      </p:pic>
+      <p:sp>
+        <p:nvSpPr>
+          <p:cNvPr id="76" name="Google Shape;76;p14"/>
+          <p:cNvSpPr txBox="1"/>
+          <p:nvPr/>
+        </p:nvSpPr>
+        <p:spPr>
+          <a:xfrm>
+            <a:off x="615125" y="3939125"/>
+            <a:ext cx="2141100" cy="1005600"/>
+          </a:xfrm>
+          <a:prstGeom prst="rect">
+            <a:avLst/>
+          </a:prstGeom>
+          <a:noFill/>
+          <a:ln>
+            <a:noFill/>
+          </a:ln>
+        </p:spPr>
+        <p:txBody>
+          <a:bodyPr anchorCtr="0" anchor="t" bIns="91425" lIns="91425" spcFirstLastPara="1" rIns="91425" wrap="square" tIns="91425">
+            <a:spAutoFit/>
+          </a:bodyPr>
+          <a:lstStyle/>
+          <a:p>
+            <a:pPr indent="0" lvl="0" marL="0" rtl="0" algn="l">
+              <a:spcBef>
+                <a:spcPts val="0"/>
+              </a:spcBef>
+              <a:spcAft>
+                <a:spcPts val="0"/>
+              </a:spcAft>
+              <a:buNone/>
+            </a:pPr>
+            <a:r>
+              <a:t/>
+            </a:r>
+            <a:endParaRPr>
+              <a:latin typeface="Open Sans"/>
+              <a:ea typeface="Open Sans"/>
+              <a:cs typeface="Open Sans"/>
+              <a:sym typeface="Open Sans"/>
+            </a:endParaRPr>
+          </a:p>
+        </p:txBody>
+      </p:sp>
+      <p:sp>
+        <p:nvSpPr>
+          <p:cNvPr id="77" name="Google Shape;77;p14"/>
+          <p:cNvSpPr txBox="1"/>
+          <p:nvPr/>
+        </p:nvSpPr>
+        <p:spPr>
+          <a:xfrm>
+            <a:off x="662425" y="4081075"/>
+            <a:ext cx="6813600" cy="354000"/>
+          </a:xfrm>
+          <a:prstGeom prst="rect">
+            <a:avLst/>
+          </a:prstGeom>
+          <a:noFill/>
+          <a:ln>
+            <a:noFill/>
+          </a:ln>
+        </p:spPr>
+        <p:txBody>
+          <a:bodyPr anchorCtr="0" anchor="t" bIns="91425" lIns="91425" spcFirstLastPara="1" rIns="91425" wrap="square" tIns="91425">
+            <a:spAutoFit/>
+          </a:bodyPr>
+          <a:lstStyle/>
+          <a:p>
+            <a:pPr indent="0" lvl="0" marL="0" rtl="0" algn="l">
+              <a:spcBef>
+                <a:spcPts val="0"/>
+              </a:spcBef>
+              <a:spcAft>
+                <a:spcPts val="0"/>
+              </a:spcAft>
+              <a:buNone/>
+            </a:pPr>
+            <a:r>
+              <a:t/>
+            </a:r>
+            <a:endParaRPr sz="1100">
+              <a:latin typeface="Open Sans"/>
+              <a:ea typeface="Open Sans"/>
+              <a:cs typeface="Open Sans"/>
+              <a:sym typeface="Open Sans"/>
+            </a:endParaRPr>
+          </a:p>
+        </p:txBody>
+      </p:sp>
+      <p:sp>
+        <p:nvSpPr>
+          <p:cNvPr id="78" name="Google Shape;78;p14"/>
+          <p:cNvSpPr txBox="1"/>
+          <p:nvPr/>
+        </p:nvSpPr>
+        <p:spPr>
+          <a:xfrm>
+            <a:off x="311700" y="3759275"/>
+            <a:ext cx="6813600" cy="1847100"/>
+          </a:xfrm>
+          <a:prstGeom prst="rect">
+            <a:avLst/>
+          </a:prstGeom>
+          <a:noFill/>
+          <a:ln>
+            <a:noFill/>
+          </a:ln>
+        </p:spPr>
+        <p:txBody>
+          <a:bodyPr anchorCtr="0" anchor="t" bIns="91425" lIns="91425" spcFirstLastPara="1" rIns="91425" wrap="square" tIns="91425">
+            <a:spAutoFit/>
+          </a:bodyPr>
+          <a:lstStyle/>
+          <a:p>
+            <a:pPr indent="0" lvl="0" marL="0" rtl="0" algn="l">
+              <a:spcBef>
+                <a:spcPts val="0"/>
+              </a:spcBef>
+              <a:spcAft>
+                <a:spcPts val="0"/>
+              </a:spcAft>
+              <a:buNone/>
+            </a:pPr>
+            <a:r>
+              <a:rPr b="1" lang="en" sz="900">
+                <a:latin typeface="Open Sans"/>
+                <a:ea typeface="Open Sans"/>
+                <a:cs typeface="Open Sans"/>
+                <a:sym typeface="Open Sans"/>
+              </a:rPr>
+              <a:t>SBML Level 3: an extensible format for the exchange and reuse of biological models.</a:t>
+            </a:r>
+            <a:r>
+              <a:rPr lang="en" sz="900">
+                <a:latin typeface="Open Sans"/>
+                <a:ea typeface="Open Sans"/>
+                <a:cs typeface="Open Sans"/>
+                <a:sym typeface="Open Sans"/>
+              </a:rPr>
+              <a:t> </a:t>
+            </a:r>
+            <a:endParaRPr sz="900">
+              <a:latin typeface="Open Sans"/>
+              <a:ea typeface="Open Sans"/>
+              <a:cs typeface="Open Sans"/>
+              <a:sym typeface="Open Sans"/>
+            </a:endParaRPr>
+          </a:p>
+          <a:p>
+            <a:pPr indent="0" lvl="0" marL="0" rtl="0" algn="l">
+              <a:spcBef>
+                <a:spcPts val="0"/>
+              </a:spcBef>
+              <a:spcAft>
+                <a:spcPts val="0"/>
+              </a:spcAft>
+              <a:buNone/>
+            </a:pPr>
+            <a:r>
+              <a:rPr i="1" lang="en" sz="900">
+                <a:latin typeface="Open Sans"/>
+                <a:ea typeface="Open Sans"/>
+                <a:cs typeface="Open Sans"/>
+                <a:sym typeface="Open Sans"/>
+              </a:rPr>
+              <a:t>Keating SM, Waltemath D, </a:t>
+            </a:r>
+            <a:r>
+              <a:rPr b="1" i="1" lang="en" sz="900">
+                <a:latin typeface="Open Sans"/>
+                <a:ea typeface="Open Sans"/>
+                <a:cs typeface="Open Sans"/>
+                <a:sym typeface="Open Sans"/>
+              </a:rPr>
+              <a:t>König M</a:t>
+            </a:r>
+            <a:r>
+              <a:rPr i="1" lang="en" sz="900">
+                <a:latin typeface="Open Sans"/>
+                <a:ea typeface="Open Sans"/>
+                <a:cs typeface="Open Sans"/>
+                <a:sym typeface="Open Sans"/>
+              </a:rPr>
+              <a:t>, Zhang F, ... Hucka M; SBML Level 3 Community members. </a:t>
+            </a:r>
+            <a:endParaRPr i="1" sz="900">
+              <a:latin typeface="Open Sans"/>
+              <a:ea typeface="Open Sans"/>
+              <a:cs typeface="Open Sans"/>
+              <a:sym typeface="Open Sans"/>
+            </a:endParaRPr>
+          </a:p>
+          <a:p>
+            <a:pPr indent="0" lvl="0" marL="0" rtl="0" algn="l">
+              <a:spcBef>
+                <a:spcPts val="0"/>
+              </a:spcBef>
+              <a:spcAft>
+                <a:spcPts val="0"/>
+              </a:spcAft>
+              <a:buNone/>
+            </a:pPr>
+            <a:r>
+              <a:rPr lang="en" sz="900">
+                <a:latin typeface="Open Sans"/>
+                <a:ea typeface="Open Sans"/>
+                <a:cs typeface="Open Sans"/>
+                <a:sym typeface="Open Sans"/>
+              </a:rPr>
+              <a:t>Mol Syst Biol. 2020 Aug;16(8):e9110. doi: 10.15252/msb.20199110. PMID: 32845085.</a:t>
+            </a:r>
+            <a:endParaRPr sz="900">
+              <a:latin typeface="Open Sans"/>
+              <a:ea typeface="Open Sans"/>
+              <a:cs typeface="Open Sans"/>
+              <a:sym typeface="Open Sans"/>
+            </a:endParaRPr>
+          </a:p>
+          <a:p>
+            <a:pPr indent="0" lvl="0" marL="0" rtl="0" algn="l">
+              <a:spcBef>
+                <a:spcPts val="0"/>
+              </a:spcBef>
+              <a:spcAft>
+                <a:spcPts val="0"/>
+              </a:spcAft>
+              <a:buNone/>
+            </a:pPr>
+            <a:r>
+              <a:t/>
+            </a:r>
+            <a:endParaRPr sz="900">
+              <a:latin typeface="Open Sans"/>
+              <a:ea typeface="Open Sans"/>
+              <a:cs typeface="Open Sans"/>
+              <a:sym typeface="Open Sans"/>
+            </a:endParaRPr>
+          </a:p>
+          <a:p>
+            <a:pPr indent="0" lvl="0" marL="0" rtl="0" algn="l">
+              <a:spcBef>
+                <a:spcPts val="0"/>
+              </a:spcBef>
+              <a:spcAft>
+                <a:spcPts val="0"/>
+              </a:spcAft>
+              <a:buNone/>
+            </a:pPr>
+            <a:r>
+              <a:rPr b="1" lang="en" sz="900">
+                <a:latin typeface="Open Sans"/>
+                <a:ea typeface="Open Sans"/>
+                <a:cs typeface="Open Sans"/>
+                <a:sym typeface="Open Sans"/>
+              </a:rPr>
+              <a:t>The Systems Biology Markup Language (SBML): Language Specification for Level 3 Version 2 Core Release 2.</a:t>
+            </a:r>
+            <a:endParaRPr b="1" sz="900">
+              <a:latin typeface="Open Sans"/>
+              <a:ea typeface="Open Sans"/>
+              <a:cs typeface="Open Sans"/>
+              <a:sym typeface="Open Sans"/>
+            </a:endParaRPr>
+          </a:p>
+          <a:p>
+            <a:pPr indent="0" lvl="0" marL="0" rtl="0" algn="l">
+              <a:spcBef>
+                <a:spcPts val="0"/>
+              </a:spcBef>
+              <a:spcAft>
+                <a:spcPts val="0"/>
+              </a:spcAft>
+              <a:buNone/>
+            </a:pPr>
+            <a:r>
+              <a:rPr i="1" lang="en" sz="900">
+                <a:latin typeface="Open Sans"/>
+                <a:ea typeface="Open Sans"/>
+                <a:cs typeface="Open Sans"/>
+                <a:sym typeface="Open Sans"/>
+              </a:rPr>
+              <a:t>Hucka M, Bergmann FT, Chaouiya C, Dräger A, Hoops S, Keating SM, </a:t>
+            </a:r>
+            <a:r>
+              <a:rPr b="1" i="1" lang="en" sz="900">
+                <a:latin typeface="Open Sans"/>
+                <a:ea typeface="Open Sans"/>
+                <a:cs typeface="Open Sans"/>
+                <a:sym typeface="Open Sans"/>
+              </a:rPr>
+              <a:t>König M</a:t>
+            </a:r>
+            <a:r>
+              <a:rPr i="1" lang="en" sz="900">
+                <a:latin typeface="Open Sans"/>
+                <a:ea typeface="Open Sans"/>
+                <a:cs typeface="Open Sans"/>
+                <a:sym typeface="Open Sans"/>
+              </a:rPr>
+              <a:t>, Novère NL, Myers CJ, Olivier BG, Sahle S, Schaff JC, Sheriff R, Smith LP, Waltemath D, Wilkinson DJ, Zhang F.</a:t>
+            </a:r>
+            <a:r>
+              <a:rPr lang="en" sz="900">
+                <a:latin typeface="Open Sans"/>
+                <a:ea typeface="Open Sans"/>
+                <a:cs typeface="Open Sans"/>
+                <a:sym typeface="Open Sans"/>
+              </a:rPr>
+              <a:t> </a:t>
+            </a:r>
+            <a:endParaRPr sz="900">
+              <a:latin typeface="Open Sans"/>
+              <a:ea typeface="Open Sans"/>
+              <a:cs typeface="Open Sans"/>
+              <a:sym typeface="Open Sans"/>
+            </a:endParaRPr>
+          </a:p>
+          <a:p>
+            <a:pPr indent="0" lvl="0" marL="0" rtl="0" algn="l">
+              <a:spcBef>
+                <a:spcPts val="0"/>
+              </a:spcBef>
+              <a:spcAft>
+                <a:spcPts val="0"/>
+              </a:spcAft>
+              <a:buNone/>
+            </a:pPr>
+            <a:r>
+              <a:rPr lang="en" sz="900">
+                <a:latin typeface="Open Sans"/>
+                <a:ea typeface="Open Sans"/>
+                <a:cs typeface="Open Sans"/>
+                <a:sym typeface="Open Sans"/>
+              </a:rPr>
+              <a:t>J Integr Bioinform. 2019 Jun 20;16(2):20190021. doi: 10.1515/jib-2019-0021. PMID: 31219795; PMCID: PMC6798823.</a:t>
+            </a:r>
+            <a:endParaRPr sz="900">
+              <a:latin typeface="Open Sans"/>
+              <a:ea typeface="Open Sans"/>
+              <a:cs typeface="Open Sans"/>
+              <a:sym typeface="Open Sans"/>
+            </a:endParaRPr>
+          </a:p>
+          <a:p>
+            <a:pPr indent="0" lvl="0" marL="0" rtl="0" algn="l">
+              <a:spcBef>
+                <a:spcPts val="0"/>
+              </a:spcBef>
+              <a:spcAft>
+                <a:spcPts val="0"/>
+              </a:spcAft>
+              <a:buNone/>
+            </a:pPr>
+            <a:r>
+              <a:t/>
+            </a:r>
+            <a:endParaRPr sz="1100">
+              <a:latin typeface="Open Sans"/>
+              <a:ea typeface="Open Sans"/>
+              <a:cs typeface="Open Sans"/>
+              <a:sym typeface="Open Sans"/>
+            </a:endParaRPr>
+          </a:p>
+          <a:p>
+            <a:pPr indent="0" lvl="0" marL="0" rtl="0" algn="l">
+              <a:spcBef>
+                <a:spcPts val="0"/>
+              </a:spcBef>
+              <a:spcAft>
+                <a:spcPts val="0"/>
+              </a:spcAft>
+              <a:buNone/>
+            </a:pPr>
+            <a:r>
+              <a:t/>
+            </a:r>
+            <a:endParaRPr sz="1100">
+              <a:latin typeface="Open Sans"/>
+              <a:ea typeface="Open Sans"/>
+              <a:cs typeface="Open Sans"/>
+              <a:sym typeface="Open Sans"/>
+            </a:endParaRPr>
+          </a:p>
+          <a:p>
+            <a:pPr indent="0" lvl="0" marL="0" rtl="0" algn="l">
+              <a:spcBef>
+                <a:spcPts val="0"/>
+              </a:spcBef>
+              <a:spcAft>
+                <a:spcPts val="0"/>
+              </a:spcAft>
+              <a:buNone/>
+            </a:pPr>
+            <a:r>
+              <a:t/>
+            </a:r>
+            <a:endParaRPr>
+              <a:latin typeface="Open Sans"/>
+              <a:ea typeface="Open Sans"/>
+              <a:cs typeface="Open Sans"/>
+              <a:sym typeface="Open Sans"/>
+            </a:endParaRPr>
+          </a:p>
+        </p:txBody>
+      </p:sp>
+      <p:pic>
+        <p:nvPicPr>
+          <p:cNvPr id="79" name="Google Shape;79;p14"/>
+          <p:cNvPicPr preferRelativeResize="0"/>
+          <p:nvPr/>
+        </p:nvPicPr>
+        <p:blipFill>
+          <a:blip r:embed="rId5">
+            <a:alphaModFix/>
+          </a:blip>
+          <a:stretch>
+            <a:fillRect/>
+          </a:stretch>
+        </p:blipFill>
+        <p:spPr>
+          <a:xfrm>
+            <a:off x="7226225" y="715902"/>
+            <a:ext cx="1219200" cy="533400"/>
+          </a:xfrm>
+          <a:prstGeom prst="rect">
+            <a:avLst/>
+          </a:prstGeom>
+          <a:noFill/>
+          <a:ln>
+            <a:noFill/>
+          </a:ln>
+        </p:spPr>
+      </p:pic>
     </p:spTree>
   </p:cSld>
   <p:clrMapOvr>
@@ -7131,7 +8382,7 @@
   <p:cSld>
     <p:spTree>
       <p:nvGrpSpPr>
-        <p:cNvPr id="78" name="Shape 78"/>
+        <p:cNvPr id="83" name="Shape 83"/>
         <p:cNvGrpSpPr/>
         <p:nvPr/>
       </p:nvGrpSpPr>
@@ -7145,7 +8396,7 @@
       </p:grpSpPr>
       <p:sp>
         <p:nvSpPr>
-          <p:cNvPr id="79" name="Google Shape;79;p15"/>
+          <p:cNvPr id="84" name="Google Shape;84;p15"/>
           <p:cNvSpPr txBox="1"/>
           <p:nvPr>
             <p:ph type="title"/>
@@ -7177,7 +8428,7 @@
             </a:pPr>
             <a:r>
               <a:rPr lang="en"/>
-              <a:t>How to create SBML models?</a:t>
+              <a:t>How to create an SBML model?</a:t>
             </a:r>
             <a:endParaRPr/>
           </a:p>
@@ -7185,7 +8436,7 @@
       </p:sp>
       <p:sp>
         <p:nvSpPr>
-          <p:cNvPr id="80" name="Google Shape;80;p15"/>
+          <p:cNvPr id="85" name="Google Shape;85;p15"/>
           <p:cNvSpPr txBox="1"/>
           <p:nvPr>
             <p:ph idx="1" type="body"/>
@@ -7220,13 +8471,13 @@
               <a:buNone/>
             </a:pPr>
             <a:r>
-              <a:rPr b="1" lang="en" sz="1020"/>
+              <a:rPr b="1" lang="en" sz="1220"/>
               <a:t>antimony</a:t>
             </a:r>
-            <a:endParaRPr b="1" sz="1020"/>
-          </a:p>
-          <a:p>
-            <a:pPr indent="-293370" lvl="0" marL="457200" rtl="0" algn="l">
+            <a:endParaRPr b="1" sz="1220"/>
+          </a:p>
+          <a:p>
+            <a:pPr indent="-306070" lvl="0" marL="457200" rtl="0" algn="l">
               <a:lnSpc>
                 <a:spcPct val="95000"/>
               </a:lnSpc>
@@ -7236,17 +8487,17 @@
               <a:spcAft>
                 <a:spcPts val="0"/>
               </a:spcAft>
-              <a:buSzPts val="1020"/>
+              <a:buSzPts val="1220"/>
               <a:buChar char="●"/>
             </a:pPr>
             <a:r>
-              <a:rPr b="1" lang="en" sz="1020"/>
+              <a:rPr b="1" lang="en" sz="1220"/>
               <a:t>text-based format</a:t>
             </a:r>
-            <a:endParaRPr b="1" sz="1020"/>
-          </a:p>
-          <a:p>
-            <a:pPr indent="-293370" lvl="0" marL="457200" rtl="0" algn="l">
+            <a:endParaRPr b="1" sz="1220"/>
+          </a:p>
+          <a:p>
+            <a:pPr indent="-306070" lvl="0" marL="457200" rtl="0" algn="l">
               <a:lnSpc>
                 <a:spcPct val="95000"/>
               </a:lnSpc>
@@ -7256,17 +8507,17 @@
               <a:spcAft>
                 <a:spcPts val="0"/>
               </a:spcAft>
-              <a:buSzPts val="1020"/>
+              <a:buSzPts val="1220"/>
               <a:buChar char="●"/>
             </a:pPr>
             <a:r>
-              <a:rPr lang="en" sz="1020"/>
+              <a:rPr lang="en" sz="1220"/>
               <a:t>no validation</a:t>
             </a:r>
-            <a:endParaRPr sz="1020"/>
-          </a:p>
-          <a:p>
-            <a:pPr indent="-293370" lvl="0" marL="457200" rtl="0" algn="l">
+            <a:endParaRPr sz="1220"/>
+          </a:p>
+          <a:p>
+            <a:pPr indent="-306070" lvl="0" marL="457200" rtl="0" algn="l">
               <a:lnSpc>
                 <a:spcPct val="95000"/>
               </a:lnSpc>
@@ -7276,17 +8527,17 @@
               <a:spcAft>
                 <a:spcPts val="0"/>
               </a:spcAft>
-              <a:buSzPts val="1020"/>
+              <a:buSzPts val="1220"/>
               <a:buChar char="●"/>
             </a:pPr>
             <a:r>
-              <a:rPr lang="en" sz="1020"/>
+              <a:rPr lang="en" sz="1220"/>
               <a:t>no type hinting</a:t>
             </a:r>
-            <a:endParaRPr sz="1020"/>
-          </a:p>
-          <a:p>
-            <a:pPr indent="-293370" lvl="0" marL="457200" rtl="0" algn="l">
+            <a:endParaRPr sz="1220"/>
+          </a:p>
+          <a:p>
+            <a:pPr indent="-306070" lvl="0" marL="457200" rtl="0" algn="l">
               <a:lnSpc>
                 <a:spcPct val="95000"/>
               </a:lnSpc>
@@ -7296,20 +8547,20 @@
               <a:spcAft>
                 <a:spcPts val="0"/>
               </a:spcAft>
-              <a:buSzPts val="1020"/>
+              <a:buSzPts val="1220"/>
               <a:buChar char="●"/>
             </a:pPr>
             <a:r>
-              <a:rPr lang="en" sz="1020"/>
+              <a:rPr lang="en" sz="1220"/>
               <a:t>SBML core &amp; distrib</a:t>
             </a:r>
-            <a:endParaRPr sz="1020"/>
+            <a:endParaRPr sz="1220"/>
           </a:p>
         </p:txBody>
       </p:sp>
       <p:pic>
         <p:nvPicPr>
-          <p:cNvPr id="81" name="Google Shape;81;p15"/>
+          <p:cNvPr id="86" name="Google Shape;86;p15"/>
           <p:cNvPicPr preferRelativeResize="0"/>
           <p:nvPr/>
         </p:nvPicPr>
@@ -7337,7 +8588,7 @@
       </p:pic>
       <p:pic>
         <p:nvPicPr>
-          <p:cNvPr id="82" name="Google Shape;82;p15"/>
+          <p:cNvPr id="87" name="Google Shape;87;p15"/>
           <p:cNvPicPr preferRelativeResize="0"/>
           <p:nvPr/>
         </p:nvPicPr>
@@ -7365,7 +8616,7 @@
       </p:pic>
       <p:sp>
         <p:nvSpPr>
-          <p:cNvPr id="83" name="Google Shape;83;p15"/>
+          <p:cNvPr id="88" name="Google Shape;88;p15"/>
           <p:cNvSpPr txBox="1"/>
           <p:nvPr>
             <p:ph idx="1" type="body"/>
@@ -7400,13 +8651,13 @@
               <a:buNone/>
             </a:pPr>
             <a:r>
-              <a:rPr b="1" lang="en" sz="1020"/>
+              <a:rPr b="1" lang="en" sz="1220"/>
               <a:t>COPASI (CellDesigner)</a:t>
             </a:r>
-            <a:endParaRPr b="1" sz="1020"/>
-          </a:p>
-          <a:p>
-            <a:pPr indent="-293370" lvl="0" marL="457200" rtl="0" algn="l">
+            <a:endParaRPr b="1" sz="1220"/>
+          </a:p>
+          <a:p>
+            <a:pPr indent="-306070" lvl="0" marL="457200" rtl="0" algn="l">
               <a:lnSpc>
                 <a:spcPct val="95000"/>
               </a:lnSpc>
@@ -7416,17 +8667,17 @@
               <a:spcAft>
                 <a:spcPts val="0"/>
               </a:spcAft>
-              <a:buSzPts val="1020"/>
+              <a:buSzPts val="1220"/>
               <a:buChar char="●"/>
             </a:pPr>
             <a:r>
-              <a:rPr b="1" lang="en" sz="1020"/>
+              <a:rPr b="1" lang="en" sz="1220"/>
               <a:t>GUI-based</a:t>
             </a:r>
-            <a:endParaRPr b="1" sz="1020"/>
-          </a:p>
-          <a:p>
-            <a:pPr indent="-293370" lvl="0" marL="457200" rtl="0" algn="l">
+            <a:endParaRPr b="1" sz="1220"/>
+          </a:p>
+          <a:p>
+            <a:pPr indent="-306070" lvl="0" marL="457200" rtl="0" algn="l">
               <a:lnSpc>
                 <a:spcPct val="95000"/>
               </a:lnSpc>
@@ -7436,20 +8687,20 @@
               <a:spcAft>
                 <a:spcPts val="0"/>
               </a:spcAft>
-              <a:buSzPts val="1020"/>
+              <a:buSzPts val="1220"/>
               <a:buChar char="●"/>
             </a:pPr>
             <a:r>
-              <a:rPr lang="en" sz="1020"/>
+              <a:rPr lang="en" sz="1220"/>
               <a:t>no/difficult programmatic interaction</a:t>
             </a:r>
-            <a:endParaRPr sz="1020"/>
+            <a:endParaRPr sz="1220"/>
           </a:p>
         </p:txBody>
       </p:sp>
       <p:pic>
         <p:nvPicPr>
-          <p:cNvPr id="84" name="Google Shape;84;p15"/>
+          <p:cNvPr id="89" name="Google Shape;89;p15"/>
           <p:cNvPicPr preferRelativeResize="0"/>
           <p:nvPr/>
         </p:nvPicPr>
@@ -7477,7 +8728,7 @@
       </p:pic>
       <p:sp>
         <p:nvSpPr>
-          <p:cNvPr id="85" name="Google Shape;85;p15"/>
+          <p:cNvPr id="90" name="Google Shape;90;p15"/>
           <p:cNvSpPr txBox="1"/>
           <p:nvPr>
             <p:ph idx="1" type="body"/>
@@ -7512,13 +8763,13 @@
               <a:buNone/>
             </a:pPr>
             <a:r>
-              <a:rPr b="1" lang="en" sz="1020"/>
+              <a:rPr b="1" lang="en" sz="1220"/>
               <a:t>libSBML (JSBML)</a:t>
             </a:r>
-            <a:endParaRPr b="1" sz="1020"/>
-          </a:p>
-          <a:p>
-            <a:pPr indent="-293370" lvl="0" marL="457200" rtl="0" algn="l">
+            <a:endParaRPr b="1" sz="1220"/>
+          </a:p>
+          <a:p>
+            <a:pPr indent="-306070" lvl="0" marL="457200" rtl="0" algn="l">
               <a:lnSpc>
                 <a:spcPct val="95000"/>
               </a:lnSpc>
@@ -7528,21 +8779,21 @@
               <a:spcAft>
                 <a:spcPts val="0"/>
               </a:spcAft>
-              <a:buSzPts val="1020"/>
+              <a:buSzPts val="1220"/>
               <a:buChar char="●"/>
             </a:pPr>
             <a:r>
-              <a:rPr b="1" lang="en" sz="1020"/>
+              <a:rPr b="1" lang="en" sz="1220"/>
               <a:t>very </a:t>
             </a:r>
             <a:r>
-              <a:rPr b="1" lang="en" sz="1020"/>
+              <a:rPr b="1" lang="en" sz="1220"/>
               <a:t>low level</a:t>
             </a:r>
-            <a:endParaRPr b="1" sz="1020"/>
-          </a:p>
-          <a:p>
-            <a:pPr indent="-293370" lvl="0" marL="457200" rtl="0" algn="l">
+            <a:endParaRPr b="1" sz="1220"/>
+          </a:p>
+          <a:p>
+            <a:pPr indent="-306070" lvl="0" marL="457200" rtl="0" algn="l">
               <a:lnSpc>
                 <a:spcPct val="95000"/>
               </a:lnSpc>
@@ -7552,14 +8803,14 @@
               <a:spcAft>
                 <a:spcPts val="0"/>
               </a:spcAft>
-              <a:buSzPts val="1020"/>
+              <a:buSzPts val="1220"/>
               <a:buChar char="●"/>
             </a:pPr>
             <a:r>
-              <a:rPr lang="en" sz="1020"/>
+              <a:rPr lang="en" sz="1220"/>
               <a:t>many silent failures (return code handling)</a:t>
             </a:r>
-            <a:endParaRPr sz="1020"/>
+            <a:endParaRPr sz="1220"/>
           </a:p>
         </p:txBody>
       </p:sp>
@@ -7576,7 +8827,7 @@
   <p:cSld>
     <p:spTree>
       <p:nvGrpSpPr>
-        <p:cNvPr id="89" name="Shape 89"/>
+        <p:cNvPr id="94" name="Shape 94"/>
         <p:cNvGrpSpPr/>
         <p:nvPr/>
       </p:nvGrpSpPr>
@@ -7590,7 +8841,7 @@
       </p:grpSpPr>
       <p:sp>
         <p:nvSpPr>
-          <p:cNvPr id="90" name="Google Shape;90;p16"/>
+          <p:cNvPr id="95" name="Google Shape;95;p16"/>
           <p:cNvSpPr txBox="1"/>
           <p:nvPr>
             <p:ph type="title"/>
@@ -7630,7 +8881,7 @@
       </p:sp>
       <p:sp>
         <p:nvSpPr>
-          <p:cNvPr id="91" name="Google Shape;91;p16"/>
+          <p:cNvPr id="96" name="Google Shape;96;p16"/>
           <p:cNvSpPr txBox="1"/>
           <p:nvPr>
             <p:ph idx="1" type="body"/>
@@ -7639,7 +8890,7 @@
         <p:spPr>
           <a:xfrm>
             <a:off x="311700" y="1113775"/>
-            <a:ext cx="3999900" cy="3302700"/>
+            <a:ext cx="3999900" cy="3759900"/>
           </a:xfrm>
           <a:prstGeom prst="rect">
             <a:avLst/>
@@ -7647,7 +8898,7 @@
         </p:spPr>
         <p:txBody>
           <a:bodyPr anchorCtr="0" anchor="t" bIns="91425" lIns="91425" spcFirstLastPara="1" rIns="91425" wrap="square" tIns="91425">
-            <a:normAutofit fontScale="62500" lnSpcReduction="10000"/>
+            <a:noAutofit/>
           </a:bodyPr>
           <a:lstStyle/>
           <a:p>
@@ -7661,37 +8912,21 @@
               <a:buNone/>
             </a:pPr>
             <a:r>
-              <a:rPr b="1" lang="en" sz="1787"/>
+              <a:rPr b="1" lang="en" sz="1300"/>
               <a:t>Collection of python utilities for </a:t>
             </a:r>
             <a:br>
-              <a:rPr b="1" lang="en" sz="1787"/>
+              <a:rPr b="1" lang="en" sz="1300"/>
             </a:br>
             <a:r>
-              <a:rPr b="1" lang="en" sz="1787" u="sng"/>
-              <a:t>programmatically</a:t>
-            </a:r>
-            <a:r>
-              <a:rPr b="1" lang="en" sz="1787" u="sng"/>
-              <a:t> </a:t>
-            </a:r>
-            <a:r>
-              <a:rPr b="1" lang="en" sz="1787" u="sng"/>
-              <a:t>developing</a:t>
-            </a:r>
-            <a:r>
-              <a:rPr b="1" lang="en" sz="1787" u="sng"/>
-              <a:t> </a:t>
-            </a:r>
-            <a:r>
-              <a:rPr b="1" lang="en" sz="1787" u="sng"/>
-              <a:t>SBML models</a:t>
+              <a:rPr b="1" lang="en" sz="1300" u="sng"/>
+              <a:t>programmatically developing SBML models</a:t>
             </a:r>
             <a:br>
-              <a:rPr lang="en" sz="1787"/>
+              <a:rPr lang="en" sz="1300"/>
             </a:br>
             <a:r>
-              <a:rPr lang="en" sz="1787" u="sng">
+              <a:rPr lang="en" sz="1300" u="sng">
                 <a:solidFill>
                   <a:schemeClr val="hlink"/>
                 </a:solidFill>
@@ -7700,10 +8935,10 @@
               <a:t>https://github.com/matthiaskoenig/sbmlutils/</a:t>
             </a:r>
             <a:br>
-              <a:rPr lang="en" sz="1787"/>
+              <a:rPr lang="en" sz="1300"/>
             </a:br>
             <a:r>
-              <a:rPr lang="en" sz="1787" u="sng">
+              <a:rPr lang="en" sz="1300" u="sng">
                 <a:solidFill>
                   <a:schemeClr val="hlink"/>
                 </a:solidFill>
@@ -7711,7 +8946,7 @@
               </a:rPr>
               <a:t>https://sbmlutils.readthedocs.io</a:t>
             </a:r>
-            <a:endParaRPr sz="1787"/>
+            <a:endParaRPr sz="1300"/>
           </a:p>
           <a:p>
             <a:pPr indent="0" lvl="0" marL="0" rtl="0" algn="l">
@@ -7724,129 +8959,129 @@
               <a:buNone/>
             </a:pPr>
             <a:r>
-              <a:rPr b="1" lang="en" sz="1800"/>
+              <a:rPr b="1" lang="en" sz="1300"/>
               <a:t>Features</a:t>
             </a:r>
-            <a:endParaRPr b="1" sz="1800"/>
-          </a:p>
-          <a:p>
-            <a:pPr indent="-300037" lvl="0" marL="457200" rtl="0" algn="l">
+            <a:endParaRPr b="1" sz="1300"/>
+          </a:p>
+          <a:p>
+            <a:pPr indent="-311150" lvl="0" marL="457200" rtl="0" algn="l">
               <a:spcBef>
                 <a:spcPts val="1200"/>
               </a:spcBef>
               <a:spcAft>
                 <a:spcPts val="0"/>
               </a:spcAft>
-              <a:buSzPct val="100000"/>
+              <a:buSzPts val="1300"/>
               <a:buChar char="●"/>
             </a:pPr>
             <a:r>
-              <a:rPr b="1" lang="en" sz="1800"/>
+              <a:rPr b="1" lang="en" sz="1300"/>
               <a:t>model creation, manipulation &amp; merging</a:t>
             </a:r>
-            <a:endParaRPr b="1" sz="1800"/>
-          </a:p>
-          <a:p>
-            <a:pPr indent="-300037" lvl="0" marL="457200" rtl="0" algn="l">
-              <a:spcBef>
-                <a:spcPts val="0"/>
-              </a:spcBef>
-              <a:spcAft>
-                <a:spcPts val="0"/>
-              </a:spcAft>
-              <a:buSzPct val="100000"/>
+            <a:endParaRPr b="1" sz="1300"/>
+          </a:p>
+          <a:p>
+            <a:pPr indent="-311150" lvl="0" marL="457200" rtl="0" algn="l">
+              <a:spcBef>
+                <a:spcPts val="0"/>
+              </a:spcBef>
+              <a:spcAft>
+                <a:spcPts val="0"/>
+              </a:spcAft>
+              <a:buSzPts val="1300"/>
               <a:buChar char="●"/>
             </a:pPr>
             <a:r>
-              <a:rPr lang="en" sz="1800"/>
+              <a:rPr lang="en" sz="1300"/>
               <a:t>unit support</a:t>
             </a:r>
-            <a:endParaRPr sz="1800"/>
-          </a:p>
-          <a:p>
-            <a:pPr indent="-300037" lvl="0" marL="457200" rtl="0" algn="l">
-              <a:spcBef>
-                <a:spcPts val="0"/>
-              </a:spcBef>
-              <a:spcAft>
-                <a:spcPts val="0"/>
-              </a:spcAft>
-              <a:buSzPct val="100000"/>
+            <a:endParaRPr sz="1300"/>
+          </a:p>
+          <a:p>
+            <a:pPr indent="-311150" lvl="0" marL="457200" rtl="0" algn="l">
+              <a:spcBef>
+                <a:spcPts val="0"/>
+              </a:spcBef>
+              <a:spcAft>
+                <a:spcPts val="0"/>
+              </a:spcAft>
+              <a:buSzPts val="1300"/>
               <a:buChar char="●"/>
             </a:pPr>
             <a:r>
-              <a:rPr lang="en" sz="1800"/>
+              <a:rPr lang="en" sz="1300"/>
               <a:t>type annotations</a:t>
             </a:r>
-            <a:endParaRPr sz="1800"/>
-          </a:p>
-          <a:p>
-            <a:pPr indent="-300037" lvl="0" marL="457200" rtl="0" algn="l">
-              <a:spcBef>
-                <a:spcPts val="0"/>
-              </a:spcBef>
-              <a:spcAft>
-                <a:spcPts val="0"/>
-              </a:spcAft>
-              <a:buSzPct val="100000"/>
+            <a:endParaRPr sz="1300"/>
+          </a:p>
+          <a:p>
+            <a:pPr indent="-311150" lvl="0" marL="457200" rtl="0" algn="l">
+              <a:spcBef>
+                <a:spcPts val="0"/>
+              </a:spcBef>
+              <a:spcAft>
+                <a:spcPts val="0"/>
+              </a:spcAft>
+              <a:buSzPts val="1300"/>
               <a:buChar char="●"/>
             </a:pPr>
             <a:r>
-              <a:rPr lang="en" sz="1800"/>
+              <a:rPr lang="en" sz="1300"/>
               <a:t>annotation support</a:t>
             </a:r>
-            <a:endParaRPr sz="1800"/>
-          </a:p>
-          <a:p>
-            <a:pPr indent="-300037" lvl="0" marL="457200" rtl="0" algn="l">
-              <a:spcBef>
-                <a:spcPts val="0"/>
-              </a:spcBef>
-              <a:spcAft>
-                <a:spcPts val="0"/>
-              </a:spcAft>
-              <a:buSzPct val="100000"/>
+            <a:endParaRPr sz="1300"/>
+          </a:p>
+          <a:p>
+            <a:pPr indent="-311150" lvl="0" marL="457200" rtl="0" algn="l">
+              <a:spcBef>
+                <a:spcPts val="0"/>
+              </a:spcBef>
+              <a:spcAft>
+                <a:spcPts val="0"/>
+              </a:spcAft>
+              <a:buSzPts val="1300"/>
               <a:buChar char="●"/>
             </a:pPr>
             <a:r>
-              <a:rPr lang="en" sz="1800"/>
+              <a:rPr lang="en" sz="1300"/>
               <a:t>model reports</a:t>
             </a:r>
-            <a:endParaRPr sz="1800"/>
-          </a:p>
-          <a:p>
-            <a:pPr indent="-300037" lvl="0" marL="457200" rtl="0" algn="l">
-              <a:spcBef>
-                <a:spcPts val="0"/>
-              </a:spcBef>
-              <a:spcAft>
-                <a:spcPts val="0"/>
-              </a:spcAft>
-              <a:buSzPct val="100000"/>
+            <a:endParaRPr sz="1300"/>
+          </a:p>
+          <a:p>
+            <a:pPr indent="-311150" lvl="0" marL="457200" rtl="0" algn="l">
+              <a:spcBef>
+                <a:spcPts val="0"/>
+              </a:spcBef>
+              <a:spcAft>
+                <a:spcPts val="0"/>
+              </a:spcAft>
+              <a:buSzPts val="1300"/>
               <a:buChar char="●"/>
             </a:pPr>
             <a:r>
-              <a:rPr lang="en" sz="1800"/>
+              <a:rPr lang="en" sz="1300"/>
               <a:t>interpolations</a:t>
             </a:r>
-            <a:endParaRPr sz="1800"/>
-          </a:p>
-          <a:p>
-            <a:pPr indent="-300037" lvl="0" marL="457200" rtl="0" algn="l">
-              <a:spcBef>
-                <a:spcPts val="0"/>
-              </a:spcBef>
-              <a:spcAft>
-                <a:spcPts val="0"/>
-              </a:spcAft>
-              <a:buSzPct val="100000"/>
+            <a:endParaRPr sz="1300"/>
+          </a:p>
+          <a:p>
+            <a:pPr indent="-311150" lvl="0" marL="457200" rtl="0" algn="l">
+              <a:spcBef>
+                <a:spcPts val="0"/>
+              </a:spcBef>
+              <a:spcAft>
+                <a:spcPts val="0"/>
+              </a:spcAft>
+              <a:buSzPts val="1300"/>
               <a:buChar char="●"/>
             </a:pPr>
             <a:r>
-              <a:rPr lang="en" sz="1800"/>
+              <a:rPr lang="en" sz="1300"/>
               <a:t>file converters (XPP)</a:t>
             </a:r>
-            <a:endParaRPr sz="1800"/>
+            <a:endParaRPr sz="1300"/>
           </a:p>
           <a:p>
             <a:pPr indent="0" lvl="0" marL="0" rtl="0" algn="l">
@@ -7859,33 +9094,33 @@
               <a:buNone/>
             </a:pPr>
             <a:r>
-              <a:rPr b="1" lang="en" sz="1800"/>
+              <a:rPr b="1" lang="en" sz="1300"/>
               <a:t>Packages</a:t>
             </a:r>
-            <a:endParaRPr b="1" sz="1800"/>
-          </a:p>
-          <a:p>
-            <a:pPr indent="-300037" lvl="0" marL="457200" rtl="0" algn="l">
+            <a:endParaRPr b="1" sz="1300"/>
+          </a:p>
+          <a:p>
+            <a:pPr indent="-311150" lvl="0" marL="457200" rtl="0" algn="l">
               <a:spcBef>
                 <a:spcPts val="1200"/>
               </a:spcBef>
               <a:spcAft>
                 <a:spcPts val="0"/>
               </a:spcAft>
-              <a:buSzPct val="100000"/>
+              <a:buSzPts val="1300"/>
               <a:buChar char="●"/>
             </a:pPr>
             <a:r>
-              <a:rPr lang="en" sz="1800"/>
+              <a:rPr lang="en" sz="1300"/>
               <a:t>core, fbc, comp, distrib, layout</a:t>
             </a:r>
-            <a:endParaRPr/>
+            <a:endParaRPr sz="1300"/>
           </a:p>
         </p:txBody>
       </p:sp>
       <p:pic>
         <p:nvPicPr>
-          <p:cNvPr id="92" name="Google Shape;92;p16"/>
+          <p:cNvPr id="97" name="Google Shape;97;p16"/>
           <p:cNvPicPr preferRelativeResize="0"/>
           <p:nvPr/>
         </p:nvPicPr>
@@ -7913,7 +9148,7 @@
       </p:pic>
       <p:pic>
         <p:nvPicPr>
-          <p:cNvPr id="93" name="Google Shape;93;p16"/>
+          <p:cNvPr id="98" name="Google Shape;98;p16"/>
           <p:cNvPicPr preferRelativeResize="0"/>
           <p:nvPr/>
         </p:nvPicPr>
@@ -7941,7 +9176,7 @@
       </p:pic>
       <p:pic>
         <p:nvPicPr>
-          <p:cNvPr id="94" name="Google Shape;94;p16"/>
+          <p:cNvPr id="99" name="Google Shape;99;p16"/>
           <p:cNvPicPr preferRelativeResize="0"/>
           <p:nvPr/>
         </p:nvPicPr>
@@ -7969,7 +9204,7 @@
       </p:pic>
       <p:pic>
         <p:nvPicPr>
-          <p:cNvPr id="95" name="Google Shape;95;p16"/>
+          <p:cNvPr id="100" name="Google Shape;100;p16"/>
           <p:cNvPicPr preferRelativeResize="0"/>
           <p:nvPr/>
         </p:nvPicPr>
@@ -7997,7 +9232,7 @@
       </p:pic>
       <p:pic>
         <p:nvPicPr>
-          <p:cNvPr id="96" name="Google Shape;96;p16"/>
+          <p:cNvPr id="101" name="Google Shape;101;p16"/>
           <p:cNvPicPr preferRelativeResize="0"/>
           <p:nvPr/>
         </p:nvPicPr>
@@ -8025,7 +9260,7 @@
       </p:pic>
       <p:pic>
         <p:nvPicPr>
-          <p:cNvPr id="97" name="Google Shape;97;p16"/>
+          <p:cNvPr id="102" name="Google Shape;102;p16"/>
           <p:cNvPicPr preferRelativeResize="0"/>
           <p:nvPr/>
         </p:nvPicPr>
@@ -8064,7 +9299,7 @@
   <p:cSld>
     <p:spTree>
       <p:nvGrpSpPr>
-        <p:cNvPr id="101" name="Shape 101"/>
+        <p:cNvPr id="106" name="Shape 106"/>
         <p:cNvGrpSpPr/>
         <p:nvPr/>
       </p:nvGrpSpPr>
@@ -8078,7 +9313,7 @@
       </p:grpSpPr>
       <p:sp>
         <p:nvSpPr>
-          <p:cNvPr id="102" name="Google Shape;102;p17"/>
+          <p:cNvPr id="107" name="Google Shape;107;p17"/>
           <p:cNvSpPr txBox="1"/>
           <p:nvPr>
             <p:ph type="title"/>
@@ -8118,7 +9353,7 @@
       </p:sp>
       <p:sp>
         <p:nvSpPr>
-          <p:cNvPr id="103" name="Google Shape;103;p17"/>
+          <p:cNvPr id="108" name="Google Shape;108;p17"/>
           <p:cNvSpPr txBox="1"/>
           <p:nvPr>
             <p:ph idx="1" type="body"/>
@@ -8168,7 +9403,11 @@
             </a:pPr>
             <a:r>
               <a:rPr lang="en"/>
-              <a:t>programatic generation (python)</a:t>
+              <a:t>programmatic</a:t>
+            </a:r>
+            <a:r>
+              <a:rPr lang="en"/>
+              <a:t> generation (Python)</a:t>
             </a:r>
             <a:endParaRPr/>
           </a:p>
@@ -8227,7 +9466,7 @@
       </p:sp>
       <p:pic>
         <p:nvPicPr>
-          <p:cNvPr id="104" name="Google Shape;104;p17"/>
+          <p:cNvPr id="109" name="Google Shape;109;p17"/>
           <p:cNvPicPr preferRelativeResize="0"/>
           <p:nvPr/>
         </p:nvPicPr>
@@ -8266,7 +9505,7 @@
   <p:cSld>
     <p:spTree>
       <p:nvGrpSpPr>
-        <p:cNvPr id="108" name="Shape 108"/>
+        <p:cNvPr id="113" name="Shape 113"/>
         <p:cNvGrpSpPr/>
         <p:nvPr/>
       </p:nvGrpSpPr>
@@ -8280,7 +9519,7 @@
       </p:grpSpPr>
       <p:sp>
         <p:nvSpPr>
-          <p:cNvPr id="109" name="Google Shape;109;p18"/>
+          <p:cNvPr id="114" name="Google Shape;114;p18"/>
           <p:cNvSpPr txBox="1"/>
           <p:nvPr>
             <p:ph type="title"/>
@@ -8320,7 +9559,7 @@
       </p:sp>
       <p:sp>
         <p:nvSpPr>
-          <p:cNvPr id="110" name="Google Shape;110;p18"/>
+          <p:cNvPr id="115" name="Google Shape;115;p18"/>
           <p:cNvSpPr txBox="1"/>
           <p:nvPr>
             <p:ph idx="1" type="body"/>
@@ -8328,7 +9567,7 @@
         </p:nvSpPr>
         <p:spPr>
           <a:xfrm>
-            <a:off x="311700" y="1266175"/>
+            <a:off x="311700" y="1091600"/>
             <a:ext cx="3999900" cy="3302700"/>
           </a:xfrm>
           <a:prstGeom prst="rect">
@@ -8421,7 +9660,7 @@
             </a:pPr>
             <a:r>
               <a:rPr lang="en"/>
-              <a:t>allowing to match objects based on regular expressions)</a:t>
+              <a:t>match objects based on regular expressions</a:t>
             </a:r>
             <a:endParaRPr/>
           </a:p>
@@ -8438,7 +9677,7 @@
             </a:pPr>
             <a:r>
               <a:rPr lang="en"/>
-              <a:t>validation against MIRIAM resources</a:t>
+              <a:t>validation against identifiers.org resources</a:t>
             </a:r>
             <a:endParaRPr/>
           </a:p>
@@ -8455,7 +9694,7 @@
             </a:pPr>
             <a:r>
               <a:rPr lang="en"/>
-              <a:t>all identifiers are checked against MIRIAM regular expressions</a:t>
+              <a:t>regular expressions patterns</a:t>
             </a:r>
             <a:endParaRPr/>
           </a:p>
@@ -8463,7 +9702,7 @@
       </p:sp>
       <p:sp>
         <p:nvSpPr>
-          <p:cNvPr id="111" name="Google Shape;111;p18"/>
+          <p:cNvPr id="116" name="Google Shape;116;p18"/>
           <p:cNvSpPr txBox="1"/>
           <p:nvPr>
             <p:ph idx="2" type="body"/>
@@ -8500,205 +9739,37 @@
           </a:p>
         </p:txBody>
       </p:sp>
-    </p:spTree>
-  </p:cSld>
-  <p:clrMapOvr>
-    <a:masterClrMapping/>
-  </p:clrMapOvr>
-</p:sld>
-</file>
-
-<file path=ppt/slides/slide7.xml><?xml version="1.0" encoding="utf-8"?>
-<p:sld xmlns:a="http://schemas.openxmlformats.org/drawingml/2006/main" xmlns:r="http://schemas.openxmlformats.org/officeDocument/2006/relationships" xmlns:mc="http://schemas.openxmlformats.org/markup-compatibility/2006" xmlns:mv="urn:schemas-microsoft-com:mac:vml" xmlns:p="http://schemas.openxmlformats.org/presentationml/2006/main" xmlns:c="http://schemas.openxmlformats.org/drawingml/2006/chart" xmlns:dgm="http://schemas.openxmlformats.org/drawingml/2006/diagram" xmlns:o="urn:schemas-microsoft-com:office:office" xmlns:v="urn:schemas-microsoft-com:vml" xmlns:pvml="urn:schemas-microsoft-com:office:powerpoint" xmlns:com="http://schemas.openxmlformats.org/drawingml/2006/compatibility" xmlns:p14="http://schemas.microsoft.com/office/powerpoint/2010/main" xmlns:p15="http://schemas.microsoft.com/office/powerpoint/2012/main" xmlns:ahyp="http://schemas.microsoft.com/office/drawing/2018/hyperlinkcolor">
-  <p:cSld>
-    <p:spTree>
-      <p:nvGrpSpPr>
-        <p:cNvPr id="115" name="Shape 115"/>
-        <p:cNvGrpSpPr/>
-        <p:nvPr/>
-      </p:nvGrpSpPr>
-      <p:grpSpPr>
-        <a:xfrm>
-          <a:off x="0" y="0"/>
-          <a:ext cx="0" cy="0"/>
-          <a:chOff x="0" y="0"/>
-          <a:chExt cx="0" cy="0"/>
-        </a:xfrm>
-      </p:grpSpPr>
-      <p:sp>
-        <p:nvSpPr>
-          <p:cNvPr id="116" name="Google Shape;116;p19"/>
-          <p:cNvSpPr txBox="1"/>
-          <p:nvPr>
-            <p:ph type="title"/>
-          </p:nvPr>
-        </p:nvSpPr>
-        <p:spPr>
-          <a:xfrm>
-            <a:off x="311700" y="445025"/>
-            <a:ext cx="8520600" cy="707400"/>
+      <p:pic>
+        <p:nvPicPr>
+          <p:cNvPr id="117" name="Google Shape;117;p18"/>
+          <p:cNvPicPr preferRelativeResize="0"/>
+          <p:nvPr/>
+        </p:nvPicPr>
+        <p:blipFill>
+          <a:blip r:embed="rId3">
+            <a:alphaModFix/>
+          </a:blip>
+          <a:stretch>
+            <a:fillRect/>
+          </a:stretch>
+        </p:blipFill>
+        <p:spPr>
+          <a:xfrm>
+            <a:off x="893050" y="3303100"/>
+            <a:ext cx="6797727" cy="1683300"/>
           </a:xfrm>
           <a:prstGeom prst="rect">
             <a:avLst/>
           </a:prstGeom>
-        </p:spPr>
-        <p:txBody>
-          <a:bodyPr anchorCtr="0" anchor="t" bIns="91425" lIns="91425" spcFirstLastPara="1" rIns="91425" wrap="square" tIns="91425">
-            <a:normAutofit fontScale="90000"/>
-          </a:bodyPr>
-          <a:lstStyle/>
-          <a:p>
-            <a:pPr indent="0" lvl="0" marL="0" rtl="0" algn="l">
-              <a:spcBef>
-                <a:spcPts val="0"/>
-              </a:spcBef>
-              <a:spcAft>
-                <a:spcPts val="0"/>
-              </a:spcAft>
-              <a:buNone/>
-            </a:pPr>
-            <a:r>
-              <a:rPr lang="en"/>
-              <a:t>What is cysbml?</a:t>
-            </a:r>
-            <a:endParaRPr/>
-          </a:p>
-        </p:txBody>
-      </p:sp>
-      <p:sp>
-        <p:nvSpPr>
-          <p:cNvPr id="117" name="Google Shape;117;p19"/>
-          <p:cNvSpPr txBox="1"/>
-          <p:nvPr>
-            <p:ph idx="1" type="body"/>
-          </p:nvPr>
-        </p:nvSpPr>
-        <p:spPr>
-          <a:xfrm>
-            <a:off x="311700" y="1266175"/>
-            <a:ext cx="3377100" cy="3302700"/>
-          </a:xfrm>
-          <a:prstGeom prst="rect">
-            <a:avLst/>
-          </a:prstGeom>
-        </p:spPr>
-        <p:txBody>
-          <a:bodyPr anchorCtr="0" anchor="t" bIns="91425" lIns="91425" spcFirstLastPara="1" rIns="91425" wrap="square" tIns="91425">
-            <a:normAutofit/>
-          </a:bodyPr>
-          <a:lstStyle/>
-          <a:p>
-            <a:pPr indent="0" lvl="0" marL="0" rtl="0" algn="l">
-              <a:spcBef>
-                <a:spcPts val="0"/>
-              </a:spcBef>
-              <a:spcAft>
-                <a:spcPts val="0"/>
-              </a:spcAft>
-              <a:buNone/>
-            </a:pPr>
-            <a:r>
-              <a:rPr b="1" lang="en" sz="1350"/>
-              <a:t>Cytoscape app for </a:t>
-            </a:r>
-            <a:r>
-              <a:rPr b="1" lang="en" sz="1350" u="sng"/>
-              <a:t>visualizing</a:t>
-            </a:r>
-            <a:r>
-              <a:rPr b="1" lang="en" sz="1350"/>
-              <a:t> SBML models (ODE)</a:t>
-            </a:r>
-            <a:br>
-              <a:rPr lang="en" sz="1350"/>
-            </a:br>
-            <a:r>
-              <a:rPr lang="en" sz="1350" u="sng">
-                <a:solidFill>
-                  <a:schemeClr val="hlink"/>
-                </a:solidFill>
-                <a:hlinkClick r:id="rId3"/>
-              </a:rPr>
-              <a:t>https://github.com/matthiaskoenig/cysbml</a:t>
-            </a:r>
-            <a:r>
-              <a:rPr lang="en" sz="1350"/>
-              <a:t> </a:t>
-            </a:r>
-            <a:endParaRPr sz="1350"/>
-          </a:p>
-          <a:p>
-            <a:pPr indent="0" lvl="0" marL="0" rtl="0" algn="l">
-              <a:spcBef>
-                <a:spcPts val="1200"/>
-              </a:spcBef>
-              <a:spcAft>
-                <a:spcPts val="0"/>
-              </a:spcAft>
-              <a:buNone/>
-            </a:pPr>
-            <a:r>
-              <a:rPr b="1" lang="en" sz="1350"/>
-              <a:t>Features</a:t>
-            </a:r>
-            <a:endParaRPr b="1" sz="1350"/>
-          </a:p>
-          <a:p>
-            <a:pPr indent="-314325" lvl="0" marL="457200" rtl="0" algn="l">
-              <a:spcBef>
-                <a:spcPts val="1200"/>
-              </a:spcBef>
-              <a:spcAft>
-                <a:spcPts val="0"/>
-              </a:spcAft>
-              <a:buSzPts val="1350"/>
-              <a:buChar char="●"/>
-            </a:pPr>
-            <a:r>
-              <a:rPr lang="en" sz="1350"/>
-              <a:t>subgraphs &amp; filtering</a:t>
-            </a:r>
-            <a:endParaRPr sz="1350"/>
-          </a:p>
-          <a:p>
-            <a:pPr indent="-314325" lvl="0" marL="457200" rtl="0" algn="l">
-              <a:spcBef>
-                <a:spcPts val="0"/>
-              </a:spcBef>
-              <a:spcAft>
-                <a:spcPts val="0"/>
-              </a:spcAft>
-              <a:buSzPts val="1350"/>
-              <a:buChar char="●"/>
-            </a:pPr>
-            <a:r>
-              <a:rPr lang="en" sz="1350"/>
-              <a:t>kinetic &amp; reaction-species view</a:t>
-            </a:r>
-            <a:endParaRPr sz="1350"/>
-          </a:p>
-          <a:p>
-            <a:pPr indent="-314325" lvl="0" marL="457200" rtl="0" algn="l">
-              <a:spcBef>
-                <a:spcPts val="0"/>
-              </a:spcBef>
-              <a:spcAft>
-                <a:spcPts val="0"/>
-              </a:spcAft>
-              <a:buSzPts val="1350"/>
-              <a:buChar char="●"/>
-            </a:pPr>
-            <a:r>
-              <a:rPr lang="en" sz="1350"/>
-              <a:t>annotation support</a:t>
-            </a:r>
-            <a:endParaRPr sz="1350"/>
-          </a:p>
-        </p:txBody>
-      </p:sp>
+          <a:noFill/>
+          <a:ln>
+            <a:noFill/>
+          </a:ln>
+        </p:spPr>
+      </p:pic>
       <p:pic>
         <p:nvPicPr>
-          <p:cNvPr descr="cy3sbml-v0.2.1_screenshot.png" id="118" name="Google Shape;118;p19"/>
+          <p:cNvPr id="118" name="Google Shape;118;p18"/>
           <p:cNvPicPr preferRelativeResize="0"/>
           <p:nvPr/>
         </p:nvPicPr>
@@ -8712,8 +9783,8 @@
         </p:blipFill>
         <p:spPr>
           <a:xfrm>
-            <a:off x="3859680" y="1266175"/>
-            <a:ext cx="5284321" cy="3302700"/>
+            <a:off x="4430971" y="221575"/>
+            <a:ext cx="3842500" cy="2992751"/>
           </a:xfrm>
           <a:prstGeom prst="rect">
             <a:avLst/>
@@ -8732,7 +9803,7 @@
 </p:sld>
 </file>
 
-<file path=ppt/slides/slide8.xml><?xml version="1.0" encoding="utf-8"?>
+<file path=ppt/slides/slide7.xml><?xml version="1.0" encoding="utf-8"?>
 <p:sld xmlns:a="http://schemas.openxmlformats.org/drawingml/2006/main" xmlns:r="http://schemas.openxmlformats.org/officeDocument/2006/relationships" xmlns:mc="http://schemas.openxmlformats.org/markup-compatibility/2006" xmlns:mv="urn:schemas-microsoft-com:mac:vml" xmlns:p="http://schemas.openxmlformats.org/presentationml/2006/main" xmlns:c="http://schemas.openxmlformats.org/drawingml/2006/chart" xmlns:dgm="http://schemas.openxmlformats.org/drawingml/2006/diagram" xmlns:o="urn:schemas-microsoft-com:office:office" xmlns:v="urn:schemas-microsoft-com:vml" xmlns:pvml="urn:schemas-microsoft-com:office:powerpoint" xmlns:com="http://schemas.openxmlformats.org/drawingml/2006/compatibility" xmlns:p14="http://schemas.microsoft.com/office/powerpoint/2010/main" xmlns:p15="http://schemas.microsoft.com/office/powerpoint/2012/main" xmlns:ahyp="http://schemas.microsoft.com/office/drawing/2018/hyperlinkcolor">
   <p:cSld>
     <p:spTree>
@@ -8751,7 +9822,7 @@
       </p:grpSpPr>
       <p:sp>
         <p:nvSpPr>
-          <p:cNvPr id="123" name="Google Shape;123;p20"/>
+          <p:cNvPr id="123" name="Google Shape;123;p19"/>
           <p:cNvSpPr txBox="1"/>
           <p:nvPr>
             <p:ph type="title"/>
@@ -8783,7 +9854,7 @@
             </a:pPr>
             <a:r>
               <a:rPr lang="en"/>
-              <a:t>What is sbmlsim?</a:t>
+              <a:t>Data interpolation</a:t>
             </a:r>
             <a:endParaRPr/>
           </a:p>
@@ -8791,7 +9862,7 @@
       </p:sp>
       <p:sp>
         <p:nvSpPr>
-          <p:cNvPr id="124" name="Google Shape;124;p20"/>
+          <p:cNvPr id="124" name="Google Shape;124;p19"/>
           <p:cNvSpPr txBox="1"/>
           <p:nvPr>
             <p:ph idx="1" type="body"/>
@@ -8808,193 +9879,40 @@
         </p:spPr>
         <p:txBody>
           <a:bodyPr anchorCtr="0" anchor="t" bIns="91425" lIns="91425" spcFirstLastPara="1" rIns="91425" wrap="square" tIns="91425">
-            <a:normAutofit fontScale="77500" lnSpcReduction="10000"/>
+            <a:normAutofit/>
           </a:bodyPr>
           <a:lstStyle/>
           <a:p>
-            <a:pPr indent="0" lvl="0" marL="0" rtl="0" algn="l">
-              <a:spcBef>
-                <a:spcPts val="0"/>
-              </a:spcBef>
-              <a:spcAft>
-                <a:spcPts val="0"/>
-              </a:spcAft>
-              <a:buNone/>
-            </a:pPr>
-            <a:r>
-              <a:rPr b="1" lang="en" sz="1787"/>
-              <a:t>Collection of python utilities for </a:t>
-            </a:r>
-            <a:r>
-              <a:rPr b="1" lang="en" sz="1787" u="sng"/>
-              <a:t>simulating</a:t>
-            </a:r>
-            <a:r>
-              <a:rPr b="1" lang="en" sz="1787"/>
-              <a:t> SBML models (ODE)</a:t>
-            </a:r>
-            <a:br>
-              <a:rPr lang="en" sz="1787"/>
-            </a:br>
-            <a:r>
-              <a:rPr lang="en" sz="1787" u="sng">
-                <a:solidFill>
-                  <a:schemeClr val="hlink"/>
-                </a:solidFill>
-                <a:hlinkClick r:id="rId3"/>
-              </a:rPr>
-              <a:t>https://github.com/matthiaskoenig/sbmlsim</a:t>
-            </a:r>
-            <a:br>
-              <a:rPr lang="en" sz="1787"/>
-            </a:br>
-            <a:r>
-              <a:rPr lang="en" sz="1787" u="sng">
-                <a:solidFill>
-                  <a:schemeClr val="hlink"/>
-                </a:solidFill>
-                <a:hlinkClick r:id="rId4"/>
-              </a:rPr>
-              <a:t>https://sbmlsim.readthedocs.io</a:t>
-            </a:r>
-            <a:r>
-              <a:rPr lang="en" sz="1787"/>
-              <a:t> </a:t>
-            </a:r>
-            <a:endParaRPr sz="1787"/>
-          </a:p>
-          <a:p>
-            <a:pPr indent="0" lvl="0" marL="0" rtl="0" algn="l">
-              <a:spcBef>
-                <a:spcPts val="1200"/>
-              </a:spcBef>
-              <a:spcAft>
-                <a:spcPts val="0"/>
-              </a:spcAft>
-              <a:buNone/>
-            </a:pPr>
-            <a:r>
-              <a:rPr b="1" lang="en" sz="1800"/>
-              <a:t>Features</a:t>
-            </a:r>
-            <a:endParaRPr b="1" sz="1800"/>
-          </a:p>
-          <a:p>
-            <a:pPr indent="-317182" lvl="0" marL="457200" rtl="0" algn="l">
-              <a:spcBef>
-                <a:spcPts val="1200"/>
-              </a:spcBef>
-              <a:spcAft>
-                <a:spcPts val="0"/>
-              </a:spcAft>
-              <a:buSzPct val="100000"/>
+            <a:pPr indent="-317500" lvl="0" marL="457200" rtl="0" algn="l">
+              <a:spcBef>
+                <a:spcPts val="0"/>
+              </a:spcBef>
+              <a:spcAft>
+                <a:spcPts val="0"/>
+              </a:spcAft>
+              <a:buSzPts val="1400"/>
               <a:buChar char="●"/>
             </a:pPr>
             <a:r>
-              <a:rPr lang="en" sz="1800"/>
-              <a:t>model simulation</a:t>
-            </a:r>
-            <a:endParaRPr sz="1800"/>
-          </a:p>
-          <a:p>
-            <a:pPr indent="-317182" lvl="0" marL="457200" rtl="0" algn="l">
-              <a:spcBef>
-                <a:spcPts val="0"/>
-              </a:spcBef>
-              <a:spcAft>
-                <a:spcPts val="0"/>
-              </a:spcAft>
-              <a:buSzPct val="100000"/>
+              <a:rPr lang="en"/>
+              <a:t>use data to add spline functions to models</a:t>
+            </a:r>
+            <a:endParaRPr/>
+          </a:p>
+          <a:p>
+            <a:pPr indent="-317500" lvl="0" marL="457200" rtl="0" algn="l">
+              <a:spcBef>
+                <a:spcPts val="0"/>
+              </a:spcBef>
+              <a:spcAft>
+                <a:spcPts val="0"/>
+              </a:spcAft>
+              <a:buSzPts val="1400"/>
               <a:buChar char="●"/>
             </a:pPr>
             <a:r>
-              <a:rPr lang="en" sz="1800"/>
-              <a:t>data support</a:t>
-            </a:r>
-            <a:endParaRPr sz="1800"/>
-          </a:p>
-          <a:p>
-            <a:pPr indent="-317182" lvl="0" marL="457200" rtl="0" algn="l">
-              <a:spcBef>
-                <a:spcPts val="0"/>
-              </a:spcBef>
-              <a:spcAft>
-                <a:spcPts val="0"/>
-              </a:spcAft>
-              <a:buSzPct val="100000"/>
-              <a:buChar char="●"/>
-            </a:pPr>
-            <a:r>
-              <a:rPr lang="en" sz="1800"/>
-              <a:t>unit support (&amp; conversion)</a:t>
-            </a:r>
-            <a:endParaRPr sz="1800"/>
-          </a:p>
-          <a:p>
-            <a:pPr indent="-317182" lvl="0" marL="457200" rtl="0" algn="l">
-              <a:spcBef>
-                <a:spcPts val="0"/>
-              </a:spcBef>
-              <a:spcAft>
-                <a:spcPts val="0"/>
-              </a:spcAft>
-              <a:buSzPct val="100000"/>
-              <a:buChar char="●"/>
-            </a:pPr>
-            <a:r>
-              <a:rPr lang="en" sz="1800"/>
-              <a:t>multi-core execution (ray)</a:t>
-            </a:r>
-            <a:endParaRPr sz="1800"/>
-          </a:p>
-          <a:p>
-            <a:pPr indent="-317182" lvl="0" marL="457200" rtl="0" algn="l">
-              <a:spcBef>
-                <a:spcPts val="0"/>
-              </a:spcBef>
-              <a:spcAft>
-                <a:spcPts val="0"/>
-              </a:spcAft>
-              <a:buSzPct val="100000"/>
-              <a:buChar char="●"/>
-            </a:pPr>
-            <a:r>
-              <a:rPr lang="en" sz="1800"/>
-              <a:t>simulation experiments (publications)</a:t>
-            </a:r>
-            <a:endParaRPr sz="1800"/>
-          </a:p>
-          <a:p>
-            <a:pPr indent="-317182" lvl="0" marL="457200" rtl="0" algn="l">
-              <a:spcBef>
-                <a:spcPts val="0"/>
-              </a:spcBef>
-              <a:spcAft>
-                <a:spcPts val="0"/>
-              </a:spcAft>
-              <a:buSzPct val="100000"/>
-              <a:buChar char="●"/>
-            </a:pPr>
-            <a:r>
-              <a:rPr lang="en" sz="1800"/>
-              <a:t>parameter scans</a:t>
-            </a:r>
-            <a:endParaRPr sz="1800"/>
-          </a:p>
-          <a:p>
-            <a:pPr indent="-317182" lvl="0" marL="457200" rtl="0" algn="l">
-              <a:spcBef>
-                <a:spcPts val="0"/>
-              </a:spcBef>
-              <a:spcAft>
-                <a:spcPts val="0"/>
-              </a:spcAft>
-              <a:buSzPct val="100000"/>
-              <a:buChar char="●"/>
-            </a:pPr>
-            <a:r>
-              <a:rPr lang="en" sz="1800"/>
-              <a:t>parameter fitting</a:t>
+              <a:rPr lang="en"/>
+              <a:t>driving model by input; clamping</a:t>
             </a:r>
             <a:endParaRPr/>
           </a:p>
@@ -9002,7 +9920,63 @@
       </p:sp>
       <p:pic>
         <p:nvPicPr>
-          <p:cNvPr id="125" name="Google Shape;125;p20"/>
+          <p:cNvPr id="125" name="Google Shape;125;p19"/>
+          <p:cNvPicPr preferRelativeResize="0"/>
+          <p:nvPr/>
+        </p:nvPicPr>
+        <p:blipFill>
+          <a:blip r:embed="rId3">
+            <a:alphaModFix/>
+          </a:blip>
+          <a:stretch>
+            <a:fillRect/>
+          </a:stretch>
+        </p:blipFill>
+        <p:spPr>
+          <a:xfrm>
+            <a:off x="630175" y="2336876"/>
+            <a:ext cx="2268933" cy="2327194"/>
+          </a:xfrm>
+          <a:prstGeom prst="rect">
+            <a:avLst/>
+          </a:prstGeom>
+          <a:noFill/>
+          <a:ln>
+            <a:noFill/>
+          </a:ln>
+        </p:spPr>
+      </p:pic>
+      <p:pic>
+        <p:nvPicPr>
+          <p:cNvPr id="126" name="Google Shape;126;p19"/>
+          <p:cNvPicPr preferRelativeResize="0"/>
+          <p:nvPr/>
+        </p:nvPicPr>
+        <p:blipFill>
+          <a:blip r:embed="rId4">
+            <a:alphaModFix/>
+          </a:blip>
+          <a:stretch>
+            <a:fillRect/>
+          </a:stretch>
+        </p:blipFill>
+        <p:spPr>
+          <a:xfrm>
+            <a:off x="3248669" y="2265520"/>
+            <a:ext cx="2268933" cy="2325545"/>
+          </a:xfrm>
+          <a:prstGeom prst="rect">
+            <a:avLst/>
+          </a:prstGeom>
+          <a:noFill/>
+          <a:ln>
+            <a:noFill/>
+          </a:ln>
+        </p:spPr>
+      </p:pic>
+      <p:pic>
+        <p:nvPicPr>
+          <p:cNvPr id="127" name="Google Shape;127;p19"/>
           <p:cNvPicPr preferRelativeResize="0"/>
           <p:nvPr/>
         </p:nvPicPr>
@@ -9016,8 +9990,8 @@
         </p:blipFill>
         <p:spPr>
           <a:xfrm>
-            <a:off x="1201775" y="4463801"/>
-            <a:ext cx="6935952" cy="606475"/>
+            <a:off x="6056942" y="2297872"/>
+            <a:ext cx="2268933" cy="2332198"/>
           </a:xfrm>
           <a:prstGeom prst="rect">
             <a:avLst/>
@@ -9028,9 +10002,412 @@
           </a:ln>
         </p:spPr>
       </p:pic>
+    </p:spTree>
+  </p:cSld>
+  <p:clrMapOvr>
+    <a:masterClrMapping/>
+  </p:clrMapOvr>
+</p:sld>
+</file>
+
+<file path=ppt/slides/slide8.xml><?xml version="1.0" encoding="utf-8"?>
+<p:sld xmlns:a="http://schemas.openxmlformats.org/drawingml/2006/main" xmlns:r="http://schemas.openxmlformats.org/officeDocument/2006/relationships" xmlns:mc="http://schemas.openxmlformats.org/markup-compatibility/2006" xmlns:mv="urn:schemas-microsoft-com:mac:vml" xmlns:p="http://schemas.openxmlformats.org/presentationml/2006/main" xmlns:c="http://schemas.openxmlformats.org/drawingml/2006/chart" xmlns:dgm="http://schemas.openxmlformats.org/drawingml/2006/diagram" xmlns:o="urn:schemas-microsoft-com:office:office" xmlns:v="urn:schemas-microsoft-com:vml" xmlns:pvml="urn:schemas-microsoft-com:office:powerpoint" xmlns:com="http://schemas.openxmlformats.org/drawingml/2006/compatibility" xmlns:p14="http://schemas.microsoft.com/office/powerpoint/2010/main" xmlns:p15="http://schemas.microsoft.com/office/powerpoint/2012/main" xmlns:ahyp="http://schemas.microsoft.com/office/drawing/2018/hyperlinkcolor">
+  <p:cSld>
+    <p:spTree>
+      <p:nvGrpSpPr>
+        <p:cNvPr id="131" name="Shape 131"/>
+        <p:cNvGrpSpPr/>
+        <p:nvPr/>
+      </p:nvGrpSpPr>
+      <p:grpSpPr>
+        <a:xfrm>
+          <a:off x="0" y="0"/>
+          <a:ext cx="0" cy="0"/>
+          <a:chOff x="0" y="0"/>
+          <a:chExt cx="0" cy="0"/>
+        </a:xfrm>
+      </p:grpSpPr>
       <p:pic>
         <p:nvPicPr>
-          <p:cNvPr id="126" name="Google Shape;126;p20"/>
+          <p:cNvPr id="132" name="Google Shape;132;p20"/>
+          <p:cNvPicPr preferRelativeResize="0"/>
+          <p:nvPr/>
+        </p:nvPicPr>
+        <p:blipFill>
+          <a:blip r:embed="rId3">
+            <a:alphaModFix/>
+          </a:blip>
+          <a:stretch>
+            <a:fillRect/>
+          </a:stretch>
+        </p:blipFill>
+        <p:spPr>
+          <a:xfrm>
+            <a:off x="76200" y="1459838"/>
+            <a:ext cx="3285574" cy="1610075"/>
+          </a:xfrm>
+          <a:prstGeom prst="rect">
+            <a:avLst/>
+          </a:prstGeom>
+          <a:noFill/>
+          <a:ln>
+            <a:noFill/>
+          </a:ln>
+        </p:spPr>
+      </p:pic>
+      <p:sp>
+        <p:nvSpPr>
+          <p:cNvPr id="133" name="Google Shape;133;p20"/>
+          <p:cNvSpPr txBox="1"/>
+          <p:nvPr/>
+        </p:nvSpPr>
+        <p:spPr>
+          <a:xfrm>
+            <a:off x="1497350" y="551188"/>
+            <a:ext cx="3867600" cy="954300"/>
+          </a:xfrm>
+          <a:prstGeom prst="rect">
+            <a:avLst/>
+          </a:prstGeom>
+          <a:noFill/>
+          <a:ln>
+            <a:noFill/>
+          </a:ln>
+        </p:spPr>
+        <p:txBody>
+          <a:bodyPr anchorCtr="0" anchor="t" bIns="91425" lIns="91425" spcFirstLastPara="1" rIns="91425" wrap="square" tIns="91425">
+            <a:spAutoFit/>
+          </a:bodyPr>
+          <a:lstStyle/>
+          <a:p>
+            <a:pPr indent="0" lvl="0" marL="0" rtl="0" algn="l">
+              <a:spcBef>
+                <a:spcPts val="0"/>
+              </a:spcBef>
+              <a:spcAft>
+                <a:spcPts val="0"/>
+              </a:spcAft>
+              <a:buNone/>
+            </a:pPr>
+            <a:r>
+              <a:rPr b="1" lang="en" sz="3600">
+                <a:solidFill>
+                  <a:schemeClr val="accent1"/>
+                </a:solidFill>
+                <a:latin typeface="PT Sans Narrow"/>
+                <a:ea typeface="PT Sans Narrow"/>
+                <a:cs typeface="PT Sans Narrow"/>
+                <a:sym typeface="PT Sans Narrow"/>
+              </a:rPr>
+              <a:t>sbmlutils</a:t>
+            </a:r>
+            <a:endParaRPr>
+              <a:latin typeface="Open Sans"/>
+              <a:ea typeface="Open Sans"/>
+              <a:cs typeface="Open Sans"/>
+              <a:sym typeface="Open Sans"/>
+            </a:endParaRPr>
+          </a:p>
+          <a:p>
+            <a:pPr indent="0" lvl="0" marL="0" rtl="0" algn="l">
+              <a:spcBef>
+                <a:spcPts val="0"/>
+              </a:spcBef>
+              <a:spcAft>
+                <a:spcPts val="0"/>
+              </a:spcAft>
+              <a:buNone/>
+            </a:pPr>
+            <a:r>
+              <a:rPr b="1" lang="en">
+                <a:latin typeface="Open Sans"/>
+                <a:ea typeface="Open Sans"/>
+                <a:cs typeface="Open Sans"/>
+                <a:sym typeface="Open Sans"/>
+              </a:rPr>
+              <a:t>Model development</a:t>
+            </a:r>
+            <a:endParaRPr b="1">
+              <a:latin typeface="Open Sans"/>
+              <a:ea typeface="Open Sans"/>
+              <a:cs typeface="Open Sans"/>
+              <a:sym typeface="Open Sans"/>
+            </a:endParaRPr>
+          </a:p>
+        </p:txBody>
+      </p:sp>
+      <p:pic>
+        <p:nvPicPr>
+          <p:cNvPr id="134" name="Google Shape;134;p20"/>
+          <p:cNvPicPr preferRelativeResize="0"/>
+          <p:nvPr/>
+        </p:nvPicPr>
+        <p:blipFill>
+          <a:blip r:embed="rId4">
+            <a:alphaModFix/>
+          </a:blip>
+          <a:stretch>
+            <a:fillRect/>
+          </a:stretch>
+        </p:blipFill>
+        <p:spPr>
+          <a:xfrm>
+            <a:off x="5765225" y="1162637"/>
+            <a:ext cx="2231350" cy="1945826"/>
+          </a:xfrm>
+          <a:prstGeom prst="rect">
+            <a:avLst/>
+          </a:prstGeom>
+          <a:noFill/>
+          <a:ln>
+            <a:noFill/>
+          </a:ln>
+        </p:spPr>
+      </p:pic>
+      <p:pic>
+        <p:nvPicPr>
+          <p:cNvPr id="135" name="Google Shape;135;p20"/>
+          <p:cNvPicPr preferRelativeResize="0"/>
+          <p:nvPr/>
+        </p:nvPicPr>
+        <p:blipFill rotWithShape="1">
+          <a:blip r:embed="rId5">
+            <a:alphaModFix/>
+          </a:blip>
+          <a:srcRect b="49099" l="0" r="0" t="0"/>
+          <a:stretch/>
+        </p:blipFill>
+        <p:spPr>
+          <a:xfrm>
+            <a:off x="3358850" y="3686400"/>
+            <a:ext cx="2456625" cy="1465750"/>
+          </a:xfrm>
+          <a:prstGeom prst="rect">
+            <a:avLst/>
+          </a:prstGeom>
+          <a:noFill/>
+          <a:ln>
+            <a:noFill/>
+          </a:ln>
+        </p:spPr>
+      </p:pic>
+      <p:sp>
+        <p:nvSpPr>
+          <p:cNvPr id="136" name="Google Shape;136;p20"/>
+          <p:cNvSpPr txBox="1"/>
+          <p:nvPr/>
+        </p:nvSpPr>
+        <p:spPr>
+          <a:xfrm>
+            <a:off x="5176350" y="551188"/>
+            <a:ext cx="3867600" cy="954300"/>
+          </a:xfrm>
+          <a:prstGeom prst="rect">
+            <a:avLst/>
+          </a:prstGeom>
+          <a:noFill/>
+          <a:ln>
+            <a:noFill/>
+          </a:ln>
+        </p:spPr>
+        <p:txBody>
+          <a:bodyPr anchorCtr="0" anchor="t" bIns="91425" lIns="91425" spcFirstLastPara="1" rIns="91425" wrap="square" tIns="91425">
+            <a:spAutoFit/>
+          </a:bodyPr>
+          <a:lstStyle/>
+          <a:p>
+            <a:pPr indent="0" lvl="0" marL="0" rtl="0" algn="l">
+              <a:spcBef>
+                <a:spcPts val="0"/>
+              </a:spcBef>
+              <a:spcAft>
+                <a:spcPts val="0"/>
+              </a:spcAft>
+              <a:buNone/>
+            </a:pPr>
+            <a:r>
+              <a:rPr b="1" lang="en" sz="3600">
+                <a:solidFill>
+                  <a:schemeClr val="accent1"/>
+                </a:solidFill>
+                <a:latin typeface="PT Sans Narrow"/>
+                <a:ea typeface="PT Sans Narrow"/>
+                <a:cs typeface="PT Sans Narrow"/>
+                <a:sym typeface="PT Sans Narrow"/>
+              </a:rPr>
+              <a:t>cysbml</a:t>
+            </a:r>
+            <a:endParaRPr>
+              <a:latin typeface="Open Sans"/>
+              <a:ea typeface="Open Sans"/>
+              <a:cs typeface="Open Sans"/>
+              <a:sym typeface="Open Sans"/>
+            </a:endParaRPr>
+          </a:p>
+          <a:p>
+            <a:pPr indent="0" lvl="0" marL="0" rtl="0" algn="l">
+              <a:spcBef>
+                <a:spcPts val="0"/>
+              </a:spcBef>
+              <a:spcAft>
+                <a:spcPts val="0"/>
+              </a:spcAft>
+              <a:buNone/>
+            </a:pPr>
+            <a:r>
+              <a:rPr b="1" lang="en">
+                <a:latin typeface="Open Sans"/>
+                <a:ea typeface="Open Sans"/>
+                <a:cs typeface="Open Sans"/>
+                <a:sym typeface="Open Sans"/>
+              </a:rPr>
+              <a:t>Model visualization</a:t>
+            </a:r>
+            <a:endParaRPr b="1">
+              <a:latin typeface="Open Sans"/>
+              <a:ea typeface="Open Sans"/>
+              <a:cs typeface="Open Sans"/>
+              <a:sym typeface="Open Sans"/>
+            </a:endParaRPr>
+          </a:p>
+        </p:txBody>
+      </p:sp>
+      <p:sp>
+        <p:nvSpPr>
+          <p:cNvPr id="137" name="Google Shape;137;p20"/>
+          <p:cNvSpPr txBox="1"/>
+          <p:nvPr/>
+        </p:nvSpPr>
+        <p:spPr>
+          <a:xfrm>
+            <a:off x="3720163" y="2732100"/>
+            <a:ext cx="3867600" cy="954300"/>
+          </a:xfrm>
+          <a:prstGeom prst="rect">
+            <a:avLst/>
+          </a:prstGeom>
+          <a:noFill/>
+          <a:ln>
+            <a:noFill/>
+          </a:ln>
+        </p:spPr>
+        <p:txBody>
+          <a:bodyPr anchorCtr="0" anchor="t" bIns="91425" lIns="91425" spcFirstLastPara="1" rIns="91425" wrap="square" tIns="91425">
+            <a:spAutoFit/>
+          </a:bodyPr>
+          <a:lstStyle/>
+          <a:p>
+            <a:pPr indent="0" lvl="0" marL="0" rtl="0" algn="l">
+              <a:spcBef>
+                <a:spcPts val="0"/>
+              </a:spcBef>
+              <a:spcAft>
+                <a:spcPts val="0"/>
+              </a:spcAft>
+              <a:buNone/>
+            </a:pPr>
+            <a:r>
+              <a:rPr b="1" lang="en" sz="3600">
+                <a:solidFill>
+                  <a:schemeClr val="accent1"/>
+                </a:solidFill>
+                <a:latin typeface="PT Sans Narrow"/>
+                <a:ea typeface="PT Sans Narrow"/>
+                <a:cs typeface="PT Sans Narrow"/>
+                <a:sym typeface="PT Sans Narrow"/>
+              </a:rPr>
+              <a:t>sbmlsim</a:t>
+            </a:r>
+            <a:endParaRPr>
+              <a:latin typeface="Open Sans"/>
+              <a:ea typeface="Open Sans"/>
+              <a:cs typeface="Open Sans"/>
+              <a:sym typeface="Open Sans"/>
+            </a:endParaRPr>
+          </a:p>
+          <a:p>
+            <a:pPr indent="0" lvl="0" marL="0" rtl="0" algn="l">
+              <a:spcBef>
+                <a:spcPts val="0"/>
+              </a:spcBef>
+              <a:spcAft>
+                <a:spcPts val="0"/>
+              </a:spcAft>
+              <a:buNone/>
+            </a:pPr>
+            <a:r>
+              <a:rPr b="1" lang="en">
+                <a:latin typeface="Open Sans"/>
+                <a:ea typeface="Open Sans"/>
+                <a:cs typeface="Open Sans"/>
+                <a:sym typeface="Open Sans"/>
+              </a:rPr>
+              <a:t>Model simulation &amp; analysis</a:t>
+            </a:r>
+            <a:endParaRPr b="1">
+              <a:latin typeface="Open Sans"/>
+              <a:ea typeface="Open Sans"/>
+              <a:cs typeface="Open Sans"/>
+              <a:sym typeface="Open Sans"/>
+            </a:endParaRPr>
+          </a:p>
+        </p:txBody>
+      </p:sp>
+      <p:sp>
+        <p:nvSpPr>
+          <p:cNvPr id="138" name="Google Shape;138;p20"/>
+          <p:cNvSpPr/>
+          <p:nvPr/>
+        </p:nvSpPr>
+        <p:spPr>
+          <a:xfrm rot="3599887">
+            <a:off x="4035494" y="1538704"/>
+            <a:ext cx="1103337" cy="954270"/>
+          </a:xfrm>
+          <a:prstGeom prst="triangle">
+            <a:avLst>
+              <a:gd fmla="val 50000" name="adj"/>
+            </a:avLst>
+          </a:prstGeom>
+          <a:solidFill>
+            <a:srgbClr val="000000"/>
+          </a:solidFill>
+          <a:ln cap="flat" cmpd="sng" w="9525">
+            <a:solidFill>
+              <a:schemeClr val="lt1"/>
+            </a:solidFill>
+            <a:prstDash val="solid"/>
+            <a:round/>
+            <a:headEnd len="sm" w="sm" type="none"/>
+            <a:tailEnd len="sm" w="sm" type="none"/>
+          </a:ln>
+        </p:spPr>
+        <p:txBody>
+          <a:bodyPr anchorCtr="0" anchor="ctr" bIns="91425" lIns="91425" spcFirstLastPara="1" rIns="91425" wrap="square" tIns="91425">
+            <a:noAutofit/>
+          </a:bodyPr>
+          <a:lstStyle/>
+          <a:p>
+            <a:pPr indent="0" lvl="0" marL="0" rtl="0" algn="l">
+              <a:spcBef>
+                <a:spcPts val="0"/>
+              </a:spcBef>
+              <a:spcAft>
+                <a:spcPts val="0"/>
+              </a:spcAft>
+              <a:buNone/>
+            </a:pPr>
+            <a:r>
+              <a:rPr lang="en"/>
+              <a:t>sf</a:t>
+            </a:r>
+            <a:endParaRPr/>
+          </a:p>
+        </p:txBody>
+      </p:sp>
+      <p:pic>
+        <p:nvPicPr>
+          <p:cNvPr id="139" name="Google Shape;139;p20"/>
           <p:cNvPicPr preferRelativeResize="0"/>
           <p:nvPr/>
         </p:nvPicPr>
@@ -9044,8 +10421,8 @@
         </p:blipFill>
         <p:spPr>
           <a:xfrm>
-            <a:off x="4502025" y="2174500"/>
-            <a:ext cx="2177474" cy="2177474"/>
+            <a:off x="614750" y="753700"/>
+            <a:ext cx="882600" cy="375575"/>
           </a:xfrm>
           <a:prstGeom prst="rect">
             <a:avLst/>
@@ -9058,21 +10435,22 @@
       </p:pic>
       <p:pic>
         <p:nvPicPr>
-          <p:cNvPr id="127" name="Google Shape;127;p20"/>
+          <p:cNvPr id="140" name="Google Shape;140;p20"/>
           <p:cNvPicPr preferRelativeResize="0"/>
           <p:nvPr/>
         </p:nvPicPr>
-        <p:blipFill rotWithShape="1">
+        <p:blipFill>
           <a:blip r:embed="rId7">
             <a:alphaModFix/>
           </a:blip>
-          <a:srcRect b="49099" l="0" r="0" t="0"/>
-          <a:stretch/>
+          <a:stretch>
+            <a:fillRect/>
+          </a:stretch>
         </p:blipFill>
         <p:spPr>
           <a:xfrm>
-            <a:off x="4531675" y="708750"/>
-            <a:ext cx="2456625" cy="1465750"/>
+            <a:off x="6467350" y="551201"/>
+            <a:ext cx="611425" cy="611425"/>
           </a:xfrm>
           <a:prstGeom prst="rect">
             <a:avLst/>
@@ -9083,14 +10461,210 @@
           </a:ln>
         </p:spPr>
       </p:pic>
+    </p:spTree>
+  </p:cSld>
+  <p:clrMapOvr>
+    <a:masterClrMapping/>
+  </p:clrMapOvr>
+</p:sld>
+</file>
+
+<file path=ppt/slides/slide9.xml><?xml version="1.0" encoding="utf-8"?>
+<p:sld xmlns:a="http://schemas.openxmlformats.org/drawingml/2006/main" xmlns:r="http://schemas.openxmlformats.org/officeDocument/2006/relationships" xmlns:mc="http://schemas.openxmlformats.org/markup-compatibility/2006" xmlns:mv="urn:schemas-microsoft-com:mac:vml" xmlns:p="http://schemas.openxmlformats.org/presentationml/2006/main" xmlns:c="http://schemas.openxmlformats.org/drawingml/2006/chart" xmlns:dgm="http://schemas.openxmlformats.org/drawingml/2006/diagram" xmlns:o="urn:schemas-microsoft-com:office:office" xmlns:v="urn:schemas-microsoft-com:vml" xmlns:pvml="urn:schemas-microsoft-com:office:powerpoint" xmlns:com="http://schemas.openxmlformats.org/drawingml/2006/compatibility" xmlns:p14="http://schemas.microsoft.com/office/powerpoint/2010/main" xmlns:p15="http://schemas.microsoft.com/office/powerpoint/2012/main" xmlns:ahyp="http://schemas.microsoft.com/office/drawing/2018/hyperlinkcolor">
+  <p:cSld>
+    <p:spTree>
+      <p:nvGrpSpPr>
+        <p:cNvPr id="144" name="Shape 144"/>
+        <p:cNvGrpSpPr/>
+        <p:nvPr/>
+      </p:nvGrpSpPr>
+      <p:grpSpPr>
+        <a:xfrm>
+          <a:off x="0" y="0"/>
+          <a:ext cx="0" cy="0"/>
+          <a:chOff x="0" y="0"/>
+          <a:chExt cx="0" cy="0"/>
+        </a:xfrm>
+      </p:grpSpPr>
+      <p:sp>
+        <p:nvSpPr>
+          <p:cNvPr id="145" name="Google Shape;145;p21"/>
+          <p:cNvSpPr txBox="1"/>
+          <p:nvPr>
+            <p:ph type="title"/>
+          </p:nvPr>
+        </p:nvSpPr>
+        <p:spPr>
+          <a:xfrm>
+            <a:off x="311700" y="445025"/>
+            <a:ext cx="8520600" cy="707400"/>
+          </a:xfrm>
+          <a:prstGeom prst="rect">
+            <a:avLst/>
+          </a:prstGeom>
+        </p:spPr>
+        <p:txBody>
+          <a:bodyPr anchorCtr="0" anchor="t" bIns="91425" lIns="91425" spcFirstLastPara="1" rIns="91425" wrap="square" tIns="91425">
+            <a:normAutofit fontScale="90000"/>
+          </a:bodyPr>
+          <a:lstStyle/>
+          <a:p>
+            <a:pPr indent="0" lvl="0" marL="0" rtl="0" algn="l">
+              <a:spcBef>
+                <a:spcPts val="0"/>
+              </a:spcBef>
+              <a:spcAft>
+                <a:spcPts val="0"/>
+              </a:spcAft>
+              <a:buNone/>
+            </a:pPr>
+            <a:r>
+              <a:rPr lang="en"/>
+              <a:t>What is cysbml?</a:t>
+            </a:r>
+            <a:endParaRPr/>
+          </a:p>
+        </p:txBody>
+      </p:sp>
+      <p:sp>
+        <p:nvSpPr>
+          <p:cNvPr id="146" name="Google Shape;146;p21"/>
+          <p:cNvSpPr txBox="1"/>
+          <p:nvPr>
+            <p:ph idx="1" type="body"/>
+          </p:nvPr>
+        </p:nvSpPr>
+        <p:spPr>
+          <a:xfrm>
+            <a:off x="311700" y="1266175"/>
+            <a:ext cx="3377100" cy="3302700"/>
+          </a:xfrm>
+          <a:prstGeom prst="rect">
+            <a:avLst/>
+          </a:prstGeom>
+        </p:spPr>
+        <p:txBody>
+          <a:bodyPr anchorCtr="0" anchor="t" bIns="91425" lIns="91425" spcFirstLastPara="1" rIns="91425" wrap="square" tIns="91425">
+            <a:normAutofit/>
+          </a:bodyPr>
+          <a:lstStyle/>
+          <a:p>
+            <a:pPr indent="0" lvl="0" marL="0" rtl="0" algn="l">
+              <a:spcBef>
+                <a:spcPts val="0"/>
+              </a:spcBef>
+              <a:spcAft>
+                <a:spcPts val="0"/>
+              </a:spcAft>
+              <a:buNone/>
+            </a:pPr>
+            <a:r>
+              <a:rPr b="1" lang="en" sz="1350"/>
+              <a:t>Cytoscape app for </a:t>
+            </a:r>
+            <a:r>
+              <a:rPr b="1" lang="en" sz="1350" u="sng"/>
+              <a:t>visualizing</a:t>
+            </a:r>
+            <a:r>
+              <a:rPr b="1" lang="en" sz="1350"/>
+              <a:t> SBML models (ODE)</a:t>
+            </a:r>
+            <a:br>
+              <a:rPr lang="en" sz="1350"/>
+            </a:br>
+            <a:r>
+              <a:rPr lang="en" sz="1350" u="sng">
+                <a:solidFill>
+                  <a:schemeClr val="hlink"/>
+                </a:solidFill>
+                <a:hlinkClick r:id="rId3"/>
+              </a:rPr>
+              <a:t>https://github.com/matthiaskoenig/cysbml</a:t>
+            </a:r>
+            <a:r>
+              <a:rPr lang="en" sz="1350"/>
+              <a:t> </a:t>
+            </a:r>
+            <a:endParaRPr sz="1350"/>
+          </a:p>
+          <a:p>
+            <a:pPr indent="0" lvl="0" marL="0" rtl="0" algn="l">
+              <a:spcBef>
+                <a:spcPts val="1200"/>
+              </a:spcBef>
+              <a:spcAft>
+                <a:spcPts val="0"/>
+              </a:spcAft>
+              <a:buNone/>
+            </a:pPr>
+            <a:r>
+              <a:rPr b="1" lang="en" sz="1350"/>
+              <a:t>Features</a:t>
+            </a:r>
+            <a:endParaRPr b="1" sz="1350"/>
+          </a:p>
+          <a:p>
+            <a:pPr indent="-314325" lvl="0" marL="457200" rtl="0" algn="l">
+              <a:spcBef>
+                <a:spcPts val="1200"/>
+              </a:spcBef>
+              <a:spcAft>
+                <a:spcPts val="0"/>
+              </a:spcAft>
+              <a:buSzPts val="1350"/>
+              <a:buChar char="●"/>
+            </a:pPr>
+            <a:r>
+              <a:rPr lang="en" sz="1350"/>
+              <a:t>subgraphs &amp; filtering</a:t>
+            </a:r>
+            <a:endParaRPr sz="1350"/>
+          </a:p>
+          <a:p>
+            <a:pPr indent="-314325" lvl="0" marL="457200" rtl="0" algn="l">
+              <a:spcBef>
+                <a:spcPts val="0"/>
+              </a:spcBef>
+              <a:spcAft>
+                <a:spcPts val="0"/>
+              </a:spcAft>
+              <a:buSzPts val="1350"/>
+              <a:buChar char="●"/>
+            </a:pPr>
+            <a:r>
+              <a:rPr lang="en" sz="1350"/>
+              <a:t>kinetic &amp; reaction-species view</a:t>
+            </a:r>
+            <a:endParaRPr sz="1350"/>
+          </a:p>
+          <a:p>
+            <a:pPr indent="-314325" lvl="0" marL="457200" rtl="0" algn="l">
+              <a:spcBef>
+                <a:spcPts val="0"/>
+              </a:spcBef>
+              <a:spcAft>
+                <a:spcPts val="0"/>
+              </a:spcAft>
+              <a:buSzPts val="1350"/>
+              <a:buChar char="●"/>
+            </a:pPr>
+            <a:r>
+              <a:rPr lang="en" sz="1350"/>
+              <a:t>annotation support</a:t>
+            </a:r>
+            <a:endParaRPr sz="1350"/>
+          </a:p>
+        </p:txBody>
+      </p:sp>
       <p:pic>
         <p:nvPicPr>
-          <p:cNvPr id="128" name="Google Shape;128;p20"/>
+          <p:cNvPr descr="cy3sbml-v0.2.1_screenshot.png" id="147" name="Google Shape;147;p21"/>
           <p:cNvPicPr preferRelativeResize="0"/>
           <p:nvPr/>
         </p:nvPicPr>
         <p:blipFill>
-          <a:blip r:embed="rId8">
+          <a:blip r:embed="rId4">
             <a:alphaModFix/>
           </a:blip>
           <a:stretch>
@@ -9099,36 +10673,8 @@
         </p:blipFill>
         <p:spPr>
           <a:xfrm>
-            <a:off x="7028624" y="708750"/>
-            <a:ext cx="1852600" cy="2281399"/>
-          </a:xfrm>
-          <a:prstGeom prst="rect">
-            <a:avLst/>
-          </a:prstGeom>
-          <a:noFill/>
-          <a:ln>
-            <a:noFill/>
-          </a:ln>
-        </p:spPr>
-      </p:pic>
-      <p:pic>
-        <p:nvPicPr>
-          <p:cNvPr id="129" name="Google Shape;129;p20"/>
-          <p:cNvPicPr preferRelativeResize="0"/>
-          <p:nvPr/>
-        </p:nvPicPr>
-        <p:blipFill>
-          <a:blip r:embed="rId9">
-            <a:alphaModFix/>
-          </a:blip>
-          <a:stretch>
-            <a:fillRect/>
-          </a:stretch>
-        </p:blipFill>
-        <p:spPr>
-          <a:xfrm>
-            <a:off x="6710795" y="2345875"/>
-            <a:ext cx="1981400" cy="1946550"/>
+            <a:off x="3859680" y="1266175"/>
+            <a:ext cx="5284321" cy="3302700"/>
           </a:xfrm>
           <a:prstGeom prst="rect">
             <a:avLst/>
